--- a/Clases/12 - Funciones de Hash/Propiedades de funciones de Hash.pptx
+++ b/Clases/12 - Funciones de Hash/Propiedades de funciones de Hash.pptx
@@ -254,7 +254,7 @@
           <a:p>
             <a:fld id="{AE14917B-0B4E-4D61-A1D1-DE300B97B4AC}" type="datetimeFigureOut">
               <a:rPr lang="es-CL" smtClean="0"/>
-              <a:t>13-10-2020</a:t>
+              <a:t>14-10-2020</a:t>
             </a:fld>
             <a:endParaRPr lang="es-CL"/>
           </a:p>
@@ -2341,8 +2341,8 @@
           </a:p>
         </p:txBody>
       </p:sp>
-      <mc:AlternateContent xmlns:mc="http://schemas.openxmlformats.org/markup-compatibility/2006">
-        <mc:Choice xmlns:a14="http://schemas.microsoft.com/office/drawing/2010/main" Requires="a14">
+      <mc:AlternateContent xmlns:mc="http://schemas.openxmlformats.org/markup-compatibility/2006" xmlns:a14="http://schemas.microsoft.com/office/drawing/2010/main">
+        <mc:Choice Requires="a14">
           <p:sp>
             <p:nvSpPr>
               <p:cNvPr id="3" name="Content Placeholder 2">
@@ -2464,14 +2464,7 @@
                             <a:latin typeface="Cambria Math" panose="02040503050406030204" pitchFamily="18" charset="0"/>
                             <a:ea typeface="Cambria Math" panose="02040503050406030204" pitchFamily="18" charset="0"/>
                           </a:rPr>
-                          <m:t>0</m:t>
-                        </m:r>
-                        <m:r>
-                          <a:rPr lang="en-GB" b="0" i="1" smtClean="0">
-                            <a:latin typeface="Cambria Math" panose="02040503050406030204" pitchFamily="18" charset="0"/>
-                            <a:ea typeface="Cambria Math" panose="02040503050406030204" pitchFamily="18" charset="0"/>
-                          </a:rPr>
-                          <m:t>, </m:t>
+                          <m:t>0, </m:t>
                         </m:r>
                         <m:r>
                           <a:rPr lang="en-GB" b="0" i="1" smtClean="0">
@@ -2525,7 +2518,7 @@
             </p:txBody>
           </p:sp>
         </mc:Choice>
-        <mc:Fallback>
+        <mc:Fallback xmlns="">
           <p:sp>
             <p:nvSpPr>
               <p:cNvPr id="3" name="Content Placeholder 2">
@@ -2627,8 +2620,8 @@
           </a:p>
         </p:txBody>
       </p:sp>
-      <mc:AlternateContent xmlns:mc="http://schemas.openxmlformats.org/markup-compatibility/2006">
-        <mc:Choice xmlns:a14="http://schemas.microsoft.com/office/drawing/2010/main" Requires="a14">
+      <mc:AlternateContent xmlns:mc="http://schemas.openxmlformats.org/markup-compatibility/2006" xmlns:a14="http://schemas.microsoft.com/office/drawing/2010/main">
+        <mc:Choice Requires="a14">
           <p:sp>
             <p:nvSpPr>
               <p:cNvPr id="3" name="Content Placeholder 2">
@@ -2802,7 +2795,7 @@
             </p:txBody>
           </p:sp>
         </mc:Choice>
-        <mc:Fallback>
+        <mc:Fallback xmlns="">
           <p:sp>
             <p:nvSpPr>
               <p:cNvPr id="3" name="Content Placeholder 2">
@@ -2900,8 +2893,8 @@
           </a:p>
         </p:txBody>
       </p:sp>
-      <mc:AlternateContent xmlns:mc="http://schemas.openxmlformats.org/markup-compatibility/2006">
-        <mc:Choice xmlns:a14="http://schemas.microsoft.com/office/drawing/2010/main" Requires="a14">
+      <mc:AlternateContent xmlns:mc="http://schemas.openxmlformats.org/markup-compatibility/2006" xmlns:a14="http://schemas.microsoft.com/office/drawing/2010/main">
+        <mc:Choice Requires="a14">
           <p:sp>
             <p:nvSpPr>
               <p:cNvPr id="3" name="Content Placeholder 2">
@@ -2985,7 +2978,7 @@
             </p:txBody>
           </p:sp>
         </mc:Choice>
-        <mc:Fallback>
+        <mc:Fallback xmlns="">
           <p:sp>
             <p:nvSpPr>
               <p:cNvPr id="3" name="Content Placeholder 2">
@@ -3216,7 +3209,7 @@
                 </a14:m>
                 <a:r>
                   <a:rPr lang="es-CL" dirty="0"/>
-                  <a:t> es sobreyectiva, entonces</a:t>
+                  <a:t> es biyectiva, entonces</a:t>
                 </a:r>
               </a:p>
               <a:p>
@@ -4155,8 +4148,8 @@
           </a:p>
         </p:txBody>
       </p:sp>
-      <mc:AlternateContent xmlns:mc="http://schemas.openxmlformats.org/markup-compatibility/2006">
-        <mc:Choice xmlns:a14="http://schemas.microsoft.com/office/drawing/2010/main" Requires="a14">
+      <mc:AlternateContent xmlns:mc="http://schemas.openxmlformats.org/markup-compatibility/2006" xmlns:a14="http://schemas.microsoft.com/office/drawing/2010/main">
+        <mc:Choice Requires="a14">
           <p:sp>
             <p:nvSpPr>
               <p:cNvPr id="3" name="Content Placeholder 2">
@@ -4472,14 +4465,7 @@
                               <a:latin typeface="Cambria Math" panose="02040503050406030204" pitchFamily="18" charset="0"/>
                               <a:ea typeface="Cambria Math" panose="02040503050406030204" pitchFamily="18" charset="0"/>
                             </a:rPr>
-                            <m:t>0</m:t>
-                          </m:r>
-                          <m:r>
-                            <a:rPr lang="en-GB" b="0" i="1" smtClean="0">
-                              <a:latin typeface="Cambria Math" panose="02040503050406030204" pitchFamily="18" charset="0"/>
-                              <a:ea typeface="Cambria Math" panose="02040503050406030204" pitchFamily="18" charset="0"/>
-                            </a:rPr>
-                            <m:t>, </m:t>
+                            <m:t>0, </m:t>
                           </m:r>
                           <m:r>
                             <a:rPr lang="en-GB" b="0" i="1" smtClean="0">
@@ -4505,7 +4491,7 @@
             </p:txBody>
           </p:sp>
         </mc:Choice>
-        <mc:Fallback>
+        <mc:Fallback xmlns="">
           <p:sp>
             <p:nvSpPr>
               <p:cNvPr id="3" name="Content Placeholder 2">
@@ -5157,8 +5143,8 @@
           </a:p>
         </p:txBody>
       </p:sp>
-      <mc:AlternateContent xmlns:mc="http://schemas.openxmlformats.org/markup-compatibility/2006">
-        <mc:Choice xmlns:a14="http://schemas.microsoft.com/office/drawing/2010/main" Requires="a14">
+      <mc:AlternateContent xmlns:mc="http://schemas.openxmlformats.org/markup-compatibility/2006" xmlns:a14="http://schemas.microsoft.com/office/drawing/2010/main">
+        <mc:Choice Requires="a14">
           <p:sp>
             <p:nvSpPr>
               <p:cNvPr id="3" name="Content Placeholder 2">
@@ -5225,7 +5211,7 @@
             </p:txBody>
           </p:sp>
         </mc:Choice>
-        <mc:Fallback>
+        <mc:Fallback xmlns="">
           <p:sp>
             <p:nvSpPr>
               <p:cNvPr id="3" name="Content Placeholder 2">
@@ -5469,8 +5455,8 @@
           </a:prstGeom>
         </p:spPr>
       </p:pic>
-      <mc:AlternateContent xmlns:mc="http://schemas.openxmlformats.org/markup-compatibility/2006">
-        <mc:Choice xmlns:a14="http://schemas.microsoft.com/office/drawing/2010/main" Requires="a14">
+      <mc:AlternateContent xmlns:mc="http://schemas.openxmlformats.org/markup-compatibility/2006" xmlns:a14="http://schemas.microsoft.com/office/drawing/2010/main">
+        <mc:Choice Requires="a14">
           <p:sp>
             <p:nvSpPr>
               <p:cNvPr id="22" name="TextBox 21">
@@ -5499,6 +5485,7 @@
               </a:bodyPr>
               <a:lstStyle/>
               <a:p>
+                <a:pPr/>
                 <a14:m>
                   <m:oMathPara xmlns:m="http://schemas.openxmlformats.org/officeDocument/2006/math">
                     <m:oMathParaPr>
@@ -5525,7 +5512,7 @@
             </p:txBody>
           </p:sp>
         </mc:Choice>
-        <mc:Fallback>
+        <mc:Fallback xmlns="">
           <p:sp>
             <p:nvSpPr>
               <p:cNvPr id="22" name="TextBox 21">
@@ -5570,8 +5557,8 @@
           </p:sp>
         </mc:Fallback>
       </mc:AlternateContent>
-      <mc:AlternateContent xmlns:mc="http://schemas.openxmlformats.org/markup-compatibility/2006">
-        <mc:Choice xmlns:a14="http://schemas.microsoft.com/office/drawing/2010/main" Requires="a14">
+      <mc:AlternateContent xmlns:mc="http://schemas.openxmlformats.org/markup-compatibility/2006" xmlns:a14="http://schemas.microsoft.com/office/drawing/2010/main">
+        <mc:Choice Requires="a14">
           <p:sp>
             <p:nvSpPr>
               <p:cNvPr id="26" name="TextBox 25">
@@ -5627,7 +5614,7 @@
             </p:txBody>
           </p:sp>
         </mc:Choice>
-        <mc:Fallback>
+        <mc:Fallback xmlns="">
           <p:sp>
             <p:nvSpPr>
               <p:cNvPr id="26" name="TextBox 25">
@@ -5672,8 +5659,8 @@
           </p:sp>
         </mc:Fallback>
       </mc:AlternateContent>
-      <mc:AlternateContent xmlns:mc="http://schemas.openxmlformats.org/markup-compatibility/2006">
-        <mc:Choice xmlns:a14="http://schemas.microsoft.com/office/drawing/2010/main" Requires="a14">
+      <mc:AlternateContent xmlns:mc="http://schemas.openxmlformats.org/markup-compatibility/2006" xmlns:a14="http://schemas.microsoft.com/office/drawing/2010/main">
+        <mc:Choice Requires="a14">
           <p:sp>
             <p:nvSpPr>
               <p:cNvPr id="28" name="TextBox 27">
@@ -5729,7 +5716,7 @@
             </p:txBody>
           </p:sp>
         </mc:Choice>
-        <mc:Fallback>
+        <mc:Fallback xmlns="">
           <p:sp>
             <p:nvSpPr>
               <p:cNvPr id="28" name="TextBox 27">
@@ -5774,8 +5761,8 @@
           </p:sp>
         </mc:Fallback>
       </mc:AlternateContent>
-      <mc:AlternateContent xmlns:mc="http://schemas.openxmlformats.org/markup-compatibility/2006">
-        <mc:Choice xmlns:a14="http://schemas.microsoft.com/office/drawing/2010/main" Requires="a14">
+      <mc:AlternateContent xmlns:mc="http://schemas.openxmlformats.org/markup-compatibility/2006" xmlns:a14="http://schemas.microsoft.com/office/drawing/2010/main">
+        <mc:Choice Requires="a14">
           <p:sp>
             <p:nvSpPr>
               <p:cNvPr id="30" name="TextBox 29">
@@ -5831,7 +5818,7 @@
             </p:txBody>
           </p:sp>
         </mc:Choice>
-        <mc:Fallback>
+        <mc:Fallback xmlns="">
           <p:sp>
             <p:nvSpPr>
               <p:cNvPr id="30" name="TextBox 29">
@@ -5876,8 +5863,8 @@
           </p:sp>
         </mc:Fallback>
       </mc:AlternateContent>
-      <mc:AlternateContent xmlns:mc="http://schemas.openxmlformats.org/markup-compatibility/2006">
-        <mc:Choice xmlns:a14="http://schemas.microsoft.com/office/drawing/2010/main" Requires="a14">
+      <mc:AlternateContent xmlns:mc="http://schemas.openxmlformats.org/markup-compatibility/2006" xmlns:a14="http://schemas.microsoft.com/office/drawing/2010/main">
+        <mc:Choice Requires="a14">
           <p:sp>
             <p:nvSpPr>
               <p:cNvPr id="32" name="TextBox 31">
@@ -5939,7 +5926,7 @@
             </p:txBody>
           </p:sp>
         </mc:Choice>
-        <mc:Fallback>
+        <mc:Fallback xmlns="">
           <p:sp>
             <p:nvSpPr>
               <p:cNvPr id="32" name="TextBox 31">
@@ -6122,8 +6109,8 @@
           </a:fontRef>
         </p:style>
       </p:cxnSp>
-      <mc:AlternateContent xmlns:mc="http://schemas.openxmlformats.org/markup-compatibility/2006">
-        <mc:Choice xmlns:a14="http://schemas.microsoft.com/office/drawing/2010/main" Requires="a14">
+      <mc:AlternateContent xmlns:mc="http://schemas.openxmlformats.org/markup-compatibility/2006" xmlns:a14="http://schemas.microsoft.com/office/drawing/2010/main">
+        <mc:Choice Requires="a14">
           <p:sp>
             <p:nvSpPr>
               <p:cNvPr id="49" name="TextBox 48">
@@ -6152,6 +6139,7 @@
               </a:bodyPr>
               <a:lstStyle/>
               <a:p>
+                <a:pPr/>
                 <a14:m>
                   <m:oMathPara xmlns:m="http://schemas.openxmlformats.org/officeDocument/2006/math">
                     <m:oMathParaPr>
@@ -6190,7 +6178,7 @@
             </p:txBody>
           </p:sp>
         </mc:Choice>
-        <mc:Fallback>
+        <mc:Fallback xmlns="">
           <p:sp>
             <p:nvSpPr>
               <p:cNvPr id="49" name="TextBox 48">
@@ -6235,8 +6223,8 @@
           </p:sp>
         </mc:Fallback>
       </mc:AlternateContent>
-      <mc:AlternateContent xmlns:mc="http://schemas.openxmlformats.org/markup-compatibility/2006">
-        <mc:Choice xmlns:a14="http://schemas.microsoft.com/office/drawing/2010/main" Requires="a14">
+      <mc:AlternateContent xmlns:mc="http://schemas.openxmlformats.org/markup-compatibility/2006" xmlns:a14="http://schemas.microsoft.com/office/drawing/2010/main">
+        <mc:Choice Requires="a14">
           <p:sp>
             <p:nvSpPr>
               <p:cNvPr id="50" name="TextBox 49">
@@ -6342,7 +6330,7 @@
             </p:txBody>
           </p:sp>
         </mc:Choice>
-        <mc:Fallback>
+        <mc:Fallback xmlns="">
           <p:sp>
             <p:nvSpPr>
               <p:cNvPr id="50" name="TextBox 49">
@@ -6587,8 +6575,8 @@
           </a:prstGeom>
         </p:spPr>
       </p:pic>
-      <mc:AlternateContent xmlns:mc="http://schemas.openxmlformats.org/markup-compatibility/2006">
-        <mc:Choice xmlns:a14="http://schemas.microsoft.com/office/drawing/2010/main" Requires="a14">
+      <mc:AlternateContent xmlns:mc="http://schemas.openxmlformats.org/markup-compatibility/2006" xmlns:a14="http://schemas.microsoft.com/office/drawing/2010/main">
+        <mc:Choice Requires="a14">
           <p:sp>
             <p:nvSpPr>
               <p:cNvPr id="22" name="TextBox 21">
@@ -6617,6 +6605,7 @@
               </a:bodyPr>
               <a:lstStyle/>
               <a:p>
+                <a:pPr/>
                 <a14:m>
                   <m:oMathPara xmlns:m="http://schemas.openxmlformats.org/officeDocument/2006/math">
                     <m:oMathParaPr>
@@ -6643,7 +6632,7 @@
             </p:txBody>
           </p:sp>
         </mc:Choice>
-        <mc:Fallback>
+        <mc:Fallback xmlns="">
           <p:sp>
             <p:nvSpPr>
               <p:cNvPr id="22" name="TextBox 21">
@@ -6688,8 +6677,8 @@
           </p:sp>
         </mc:Fallback>
       </mc:AlternateContent>
-      <mc:AlternateContent xmlns:mc="http://schemas.openxmlformats.org/markup-compatibility/2006">
-        <mc:Choice xmlns:a14="http://schemas.microsoft.com/office/drawing/2010/main" Requires="a14">
+      <mc:AlternateContent xmlns:mc="http://schemas.openxmlformats.org/markup-compatibility/2006" xmlns:a14="http://schemas.microsoft.com/office/drawing/2010/main">
+        <mc:Choice Requires="a14">
           <p:sp>
             <p:nvSpPr>
               <p:cNvPr id="26" name="TextBox 25">
@@ -6745,7 +6734,7 @@
             </p:txBody>
           </p:sp>
         </mc:Choice>
-        <mc:Fallback>
+        <mc:Fallback xmlns="">
           <p:sp>
             <p:nvSpPr>
               <p:cNvPr id="26" name="TextBox 25">
@@ -6790,8 +6779,8 @@
           </p:sp>
         </mc:Fallback>
       </mc:AlternateContent>
-      <mc:AlternateContent xmlns:mc="http://schemas.openxmlformats.org/markup-compatibility/2006">
-        <mc:Choice xmlns:a14="http://schemas.microsoft.com/office/drawing/2010/main" Requires="a14">
+      <mc:AlternateContent xmlns:mc="http://schemas.openxmlformats.org/markup-compatibility/2006" xmlns:a14="http://schemas.microsoft.com/office/drawing/2010/main">
+        <mc:Choice Requires="a14">
           <p:sp>
             <p:nvSpPr>
               <p:cNvPr id="28" name="TextBox 27">
@@ -6847,7 +6836,7 @@
             </p:txBody>
           </p:sp>
         </mc:Choice>
-        <mc:Fallback>
+        <mc:Fallback xmlns="">
           <p:sp>
             <p:nvSpPr>
               <p:cNvPr id="28" name="TextBox 27">
@@ -6892,8 +6881,8 @@
           </p:sp>
         </mc:Fallback>
       </mc:AlternateContent>
-      <mc:AlternateContent xmlns:mc="http://schemas.openxmlformats.org/markup-compatibility/2006">
-        <mc:Choice xmlns:a14="http://schemas.microsoft.com/office/drawing/2010/main" Requires="a14">
+      <mc:AlternateContent xmlns:mc="http://schemas.openxmlformats.org/markup-compatibility/2006" xmlns:a14="http://schemas.microsoft.com/office/drawing/2010/main">
+        <mc:Choice Requires="a14">
           <p:sp>
             <p:nvSpPr>
               <p:cNvPr id="30" name="TextBox 29">
@@ -6949,7 +6938,7 @@
             </p:txBody>
           </p:sp>
         </mc:Choice>
-        <mc:Fallback>
+        <mc:Fallback xmlns="">
           <p:sp>
             <p:nvSpPr>
               <p:cNvPr id="30" name="TextBox 29">
@@ -6994,8 +6983,8 @@
           </p:sp>
         </mc:Fallback>
       </mc:AlternateContent>
-      <mc:AlternateContent xmlns:mc="http://schemas.openxmlformats.org/markup-compatibility/2006">
-        <mc:Choice xmlns:a14="http://schemas.microsoft.com/office/drawing/2010/main" Requires="a14">
+      <mc:AlternateContent xmlns:mc="http://schemas.openxmlformats.org/markup-compatibility/2006" xmlns:a14="http://schemas.microsoft.com/office/drawing/2010/main">
+        <mc:Choice Requires="a14">
           <p:sp>
             <p:nvSpPr>
               <p:cNvPr id="32" name="TextBox 31">
@@ -7057,7 +7046,7 @@
             </p:txBody>
           </p:sp>
         </mc:Choice>
-        <mc:Fallback>
+        <mc:Fallback xmlns="">
           <p:sp>
             <p:nvSpPr>
               <p:cNvPr id="32" name="TextBox 31">
@@ -7240,8 +7229,8 @@
           </a:fontRef>
         </p:style>
       </p:cxnSp>
-      <mc:AlternateContent xmlns:mc="http://schemas.openxmlformats.org/markup-compatibility/2006">
-        <mc:Choice xmlns:a14="http://schemas.microsoft.com/office/drawing/2010/main" Requires="a14">
+      <mc:AlternateContent xmlns:mc="http://schemas.openxmlformats.org/markup-compatibility/2006" xmlns:a14="http://schemas.microsoft.com/office/drawing/2010/main">
+        <mc:Choice Requires="a14">
           <p:sp>
             <p:nvSpPr>
               <p:cNvPr id="49" name="TextBox 48">
@@ -7270,6 +7259,7 @@
               </a:bodyPr>
               <a:lstStyle/>
               <a:p>
+                <a:pPr/>
                 <a14:m>
                   <m:oMathPara xmlns:m="http://schemas.openxmlformats.org/officeDocument/2006/math">
                     <m:oMathParaPr>
@@ -7308,7 +7298,7 @@
             </p:txBody>
           </p:sp>
         </mc:Choice>
-        <mc:Fallback>
+        <mc:Fallback xmlns="">
           <p:sp>
             <p:nvSpPr>
               <p:cNvPr id="49" name="TextBox 48">
@@ -7353,8 +7343,8 @@
           </p:sp>
         </mc:Fallback>
       </mc:AlternateContent>
-      <mc:AlternateContent xmlns:mc="http://schemas.openxmlformats.org/markup-compatibility/2006">
-        <mc:Choice xmlns:a14="http://schemas.microsoft.com/office/drawing/2010/main" Requires="a14">
+      <mc:AlternateContent xmlns:mc="http://schemas.openxmlformats.org/markup-compatibility/2006" xmlns:a14="http://schemas.microsoft.com/office/drawing/2010/main">
+        <mc:Choice Requires="a14">
           <p:sp>
             <p:nvSpPr>
               <p:cNvPr id="3" name="TextBox 2">
@@ -7460,7 +7450,7 @@
             </p:txBody>
           </p:sp>
         </mc:Choice>
-        <mc:Fallback>
+        <mc:Fallback xmlns="">
           <p:sp>
             <p:nvSpPr>
               <p:cNvPr id="3" name="TextBox 2">
@@ -7705,8 +7695,8 @@
           </a:prstGeom>
         </p:spPr>
       </p:pic>
-      <mc:AlternateContent xmlns:mc="http://schemas.openxmlformats.org/markup-compatibility/2006">
-        <mc:Choice xmlns:a14="http://schemas.microsoft.com/office/drawing/2010/main" Requires="a14">
+      <mc:AlternateContent xmlns:mc="http://schemas.openxmlformats.org/markup-compatibility/2006" xmlns:a14="http://schemas.microsoft.com/office/drawing/2010/main">
+        <mc:Choice Requires="a14">
           <p:sp>
             <p:nvSpPr>
               <p:cNvPr id="22" name="TextBox 21">
@@ -7735,6 +7725,7 @@
               </a:bodyPr>
               <a:lstStyle/>
               <a:p>
+                <a:pPr/>
                 <a14:m>
                   <m:oMathPara xmlns:m="http://schemas.openxmlformats.org/officeDocument/2006/math">
                     <m:oMathParaPr>
@@ -7761,7 +7752,7 @@
             </p:txBody>
           </p:sp>
         </mc:Choice>
-        <mc:Fallback>
+        <mc:Fallback xmlns="">
           <p:sp>
             <p:nvSpPr>
               <p:cNvPr id="22" name="TextBox 21">
@@ -7806,8 +7797,8 @@
           </p:sp>
         </mc:Fallback>
       </mc:AlternateContent>
-      <mc:AlternateContent xmlns:mc="http://schemas.openxmlformats.org/markup-compatibility/2006">
-        <mc:Choice xmlns:a14="http://schemas.microsoft.com/office/drawing/2010/main" Requires="a14">
+      <mc:AlternateContent xmlns:mc="http://schemas.openxmlformats.org/markup-compatibility/2006" xmlns:a14="http://schemas.microsoft.com/office/drawing/2010/main">
+        <mc:Choice Requires="a14">
           <p:sp>
             <p:nvSpPr>
               <p:cNvPr id="26" name="TextBox 25">
@@ -7863,7 +7854,7 @@
             </p:txBody>
           </p:sp>
         </mc:Choice>
-        <mc:Fallback>
+        <mc:Fallback xmlns="">
           <p:sp>
             <p:nvSpPr>
               <p:cNvPr id="26" name="TextBox 25">
@@ -7908,8 +7899,8 @@
           </p:sp>
         </mc:Fallback>
       </mc:AlternateContent>
-      <mc:AlternateContent xmlns:mc="http://schemas.openxmlformats.org/markup-compatibility/2006">
-        <mc:Choice xmlns:a14="http://schemas.microsoft.com/office/drawing/2010/main" Requires="a14">
+      <mc:AlternateContent xmlns:mc="http://schemas.openxmlformats.org/markup-compatibility/2006" xmlns:a14="http://schemas.microsoft.com/office/drawing/2010/main">
+        <mc:Choice Requires="a14">
           <p:sp>
             <p:nvSpPr>
               <p:cNvPr id="28" name="TextBox 27">
@@ -7965,7 +7956,7 @@
             </p:txBody>
           </p:sp>
         </mc:Choice>
-        <mc:Fallback>
+        <mc:Fallback xmlns="">
           <p:sp>
             <p:nvSpPr>
               <p:cNvPr id="28" name="TextBox 27">
@@ -8010,8 +8001,8 @@
           </p:sp>
         </mc:Fallback>
       </mc:AlternateContent>
-      <mc:AlternateContent xmlns:mc="http://schemas.openxmlformats.org/markup-compatibility/2006">
-        <mc:Choice xmlns:a14="http://schemas.microsoft.com/office/drawing/2010/main" Requires="a14">
+      <mc:AlternateContent xmlns:mc="http://schemas.openxmlformats.org/markup-compatibility/2006" xmlns:a14="http://schemas.microsoft.com/office/drawing/2010/main">
+        <mc:Choice Requires="a14">
           <p:sp>
             <p:nvSpPr>
               <p:cNvPr id="30" name="TextBox 29">
@@ -8067,7 +8058,7 @@
             </p:txBody>
           </p:sp>
         </mc:Choice>
-        <mc:Fallback>
+        <mc:Fallback xmlns="">
           <p:sp>
             <p:nvSpPr>
               <p:cNvPr id="30" name="TextBox 29">
@@ -8112,8 +8103,8 @@
           </p:sp>
         </mc:Fallback>
       </mc:AlternateContent>
-      <mc:AlternateContent xmlns:mc="http://schemas.openxmlformats.org/markup-compatibility/2006">
-        <mc:Choice xmlns:a14="http://schemas.microsoft.com/office/drawing/2010/main" Requires="a14">
+      <mc:AlternateContent xmlns:mc="http://schemas.openxmlformats.org/markup-compatibility/2006" xmlns:a14="http://schemas.microsoft.com/office/drawing/2010/main">
+        <mc:Choice Requires="a14">
           <p:sp>
             <p:nvSpPr>
               <p:cNvPr id="32" name="TextBox 31">
@@ -8175,7 +8166,7 @@
             </p:txBody>
           </p:sp>
         </mc:Choice>
-        <mc:Fallback>
+        <mc:Fallback xmlns="">
           <p:sp>
             <p:nvSpPr>
               <p:cNvPr id="32" name="TextBox 31">
@@ -8358,8 +8349,8 @@
           </a:fontRef>
         </p:style>
       </p:cxnSp>
-      <mc:AlternateContent xmlns:mc="http://schemas.openxmlformats.org/markup-compatibility/2006">
-        <mc:Choice xmlns:a14="http://schemas.microsoft.com/office/drawing/2010/main" Requires="a14">
+      <mc:AlternateContent xmlns:mc="http://schemas.openxmlformats.org/markup-compatibility/2006" xmlns:a14="http://schemas.microsoft.com/office/drawing/2010/main">
+        <mc:Choice Requires="a14">
           <p:sp>
             <p:nvSpPr>
               <p:cNvPr id="49" name="TextBox 48">
@@ -8388,6 +8379,7 @@
               </a:bodyPr>
               <a:lstStyle/>
               <a:p>
+                <a:pPr/>
                 <a14:m>
                   <m:oMathPara xmlns:m="http://schemas.openxmlformats.org/officeDocument/2006/math">
                     <m:oMathParaPr>
@@ -8426,7 +8418,7 @@
             </p:txBody>
           </p:sp>
         </mc:Choice>
-        <mc:Fallback>
+        <mc:Fallback xmlns="">
           <p:sp>
             <p:nvSpPr>
               <p:cNvPr id="49" name="TextBox 48">
@@ -8471,8 +8463,8 @@
           </p:sp>
         </mc:Fallback>
       </mc:AlternateContent>
-      <mc:AlternateContent xmlns:mc="http://schemas.openxmlformats.org/markup-compatibility/2006">
-        <mc:Choice xmlns:a14="http://schemas.microsoft.com/office/drawing/2010/main" Requires="a14">
+      <mc:AlternateContent xmlns:mc="http://schemas.openxmlformats.org/markup-compatibility/2006" xmlns:a14="http://schemas.microsoft.com/office/drawing/2010/main">
+        <mc:Choice Requires="a14">
           <p:sp>
             <p:nvSpPr>
               <p:cNvPr id="3" name="TextBox 2">
@@ -8578,7 +8570,7 @@
             </p:txBody>
           </p:sp>
         </mc:Choice>
-        <mc:Fallback>
+        <mc:Fallback xmlns="">
           <p:sp>
             <p:nvSpPr>
               <p:cNvPr id="3" name="TextBox 2">
@@ -8683,8 +8675,8 @@
           </a:p>
         </p:txBody>
       </p:sp>
-      <mc:AlternateContent xmlns:mc="http://schemas.openxmlformats.org/markup-compatibility/2006">
-        <mc:Choice xmlns:a14="http://schemas.microsoft.com/office/drawing/2010/main" Requires="a14">
+      <mc:AlternateContent xmlns:mc="http://schemas.openxmlformats.org/markup-compatibility/2006" xmlns:a14="http://schemas.microsoft.com/office/drawing/2010/main">
+        <mc:Choice Requires="a14">
           <p:sp>
             <p:nvSpPr>
               <p:cNvPr id="3" name="Content Placeholder 2">
@@ -8930,7 +8922,7 @@
             </p:txBody>
           </p:sp>
         </mc:Choice>
-        <mc:Fallback>
+        <mc:Fallback xmlns="">
           <p:sp>
             <p:nvSpPr>
               <p:cNvPr id="3" name="Content Placeholder 2">
@@ -9171,8 +9163,8 @@
           </a:prstGeom>
         </p:spPr>
       </p:pic>
-      <mc:AlternateContent xmlns:mc="http://schemas.openxmlformats.org/markup-compatibility/2006">
-        <mc:Choice xmlns:a14="http://schemas.microsoft.com/office/drawing/2010/main" Requires="a14">
+      <mc:AlternateContent xmlns:mc="http://schemas.openxmlformats.org/markup-compatibility/2006" xmlns:a14="http://schemas.microsoft.com/office/drawing/2010/main">
+        <mc:Choice Requires="a14">
           <p:sp>
             <p:nvSpPr>
               <p:cNvPr id="22" name="TextBox 21">
@@ -9201,6 +9193,7 @@
               </a:bodyPr>
               <a:lstStyle/>
               <a:p>
+                <a:pPr/>
                 <a14:m>
                   <m:oMathPara xmlns:m="http://schemas.openxmlformats.org/officeDocument/2006/math">
                     <m:oMathParaPr>
@@ -9227,7 +9220,7 @@
             </p:txBody>
           </p:sp>
         </mc:Choice>
-        <mc:Fallback>
+        <mc:Fallback xmlns="">
           <p:sp>
             <p:nvSpPr>
               <p:cNvPr id="22" name="TextBox 21">
@@ -9272,8 +9265,8 @@
           </p:sp>
         </mc:Fallback>
       </mc:AlternateContent>
-      <mc:AlternateContent xmlns:mc="http://schemas.openxmlformats.org/markup-compatibility/2006">
-        <mc:Choice xmlns:a14="http://schemas.microsoft.com/office/drawing/2010/main" Requires="a14">
+      <mc:AlternateContent xmlns:mc="http://schemas.openxmlformats.org/markup-compatibility/2006" xmlns:a14="http://schemas.microsoft.com/office/drawing/2010/main">
+        <mc:Choice Requires="a14">
           <p:sp>
             <p:nvSpPr>
               <p:cNvPr id="26" name="TextBox 25">
@@ -9329,7 +9322,7 @@
             </p:txBody>
           </p:sp>
         </mc:Choice>
-        <mc:Fallback>
+        <mc:Fallback xmlns="">
           <p:sp>
             <p:nvSpPr>
               <p:cNvPr id="26" name="TextBox 25">
@@ -9374,8 +9367,8 @@
           </p:sp>
         </mc:Fallback>
       </mc:AlternateContent>
-      <mc:AlternateContent xmlns:mc="http://schemas.openxmlformats.org/markup-compatibility/2006">
-        <mc:Choice xmlns:a14="http://schemas.microsoft.com/office/drawing/2010/main" Requires="a14">
+      <mc:AlternateContent xmlns:mc="http://schemas.openxmlformats.org/markup-compatibility/2006" xmlns:a14="http://schemas.microsoft.com/office/drawing/2010/main">
+        <mc:Choice Requires="a14">
           <p:sp>
             <p:nvSpPr>
               <p:cNvPr id="28" name="TextBox 27">
@@ -9431,7 +9424,7 @@
             </p:txBody>
           </p:sp>
         </mc:Choice>
-        <mc:Fallback>
+        <mc:Fallback xmlns="">
           <p:sp>
             <p:nvSpPr>
               <p:cNvPr id="28" name="TextBox 27">
@@ -9476,8 +9469,8 @@
           </p:sp>
         </mc:Fallback>
       </mc:AlternateContent>
-      <mc:AlternateContent xmlns:mc="http://schemas.openxmlformats.org/markup-compatibility/2006">
-        <mc:Choice xmlns:a14="http://schemas.microsoft.com/office/drawing/2010/main" Requires="a14">
+      <mc:AlternateContent xmlns:mc="http://schemas.openxmlformats.org/markup-compatibility/2006" xmlns:a14="http://schemas.microsoft.com/office/drawing/2010/main">
+        <mc:Choice Requires="a14">
           <p:sp>
             <p:nvSpPr>
               <p:cNvPr id="30" name="TextBox 29">
@@ -9533,7 +9526,7 @@
             </p:txBody>
           </p:sp>
         </mc:Choice>
-        <mc:Fallback>
+        <mc:Fallback xmlns="">
           <p:sp>
             <p:nvSpPr>
               <p:cNvPr id="30" name="TextBox 29">
@@ -9578,8 +9571,8 @@
           </p:sp>
         </mc:Fallback>
       </mc:AlternateContent>
-      <mc:AlternateContent xmlns:mc="http://schemas.openxmlformats.org/markup-compatibility/2006">
-        <mc:Choice xmlns:a14="http://schemas.microsoft.com/office/drawing/2010/main" Requires="a14">
+      <mc:AlternateContent xmlns:mc="http://schemas.openxmlformats.org/markup-compatibility/2006" xmlns:a14="http://schemas.microsoft.com/office/drawing/2010/main">
+        <mc:Choice Requires="a14">
           <p:sp>
             <p:nvSpPr>
               <p:cNvPr id="32" name="TextBox 31">
@@ -9641,7 +9634,7 @@
             </p:txBody>
           </p:sp>
         </mc:Choice>
-        <mc:Fallback>
+        <mc:Fallback xmlns="">
           <p:sp>
             <p:nvSpPr>
               <p:cNvPr id="32" name="TextBox 31">
@@ -9824,8 +9817,8 @@
           </a:fontRef>
         </p:style>
       </p:cxnSp>
-      <mc:AlternateContent xmlns:mc="http://schemas.openxmlformats.org/markup-compatibility/2006">
-        <mc:Choice xmlns:a14="http://schemas.microsoft.com/office/drawing/2010/main" Requires="a14">
+      <mc:AlternateContent xmlns:mc="http://schemas.openxmlformats.org/markup-compatibility/2006" xmlns:a14="http://schemas.microsoft.com/office/drawing/2010/main">
+        <mc:Choice Requires="a14">
           <p:sp>
             <p:nvSpPr>
               <p:cNvPr id="49" name="TextBox 48">
@@ -9854,6 +9847,7 @@
               </a:bodyPr>
               <a:lstStyle/>
               <a:p>
+                <a:pPr/>
                 <a14:m>
                   <m:oMathPara xmlns:m="http://schemas.openxmlformats.org/officeDocument/2006/math">
                     <m:oMathParaPr>
@@ -9892,7 +9886,7 @@
             </p:txBody>
           </p:sp>
         </mc:Choice>
-        <mc:Fallback>
+        <mc:Fallback xmlns="">
           <p:sp>
             <p:nvSpPr>
               <p:cNvPr id="49" name="TextBox 48">
@@ -9937,8 +9931,8 @@
           </p:sp>
         </mc:Fallback>
       </mc:AlternateContent>
-      <mc:AlternateContent xmlns:mc="http://schemas.openxmlformats.org/markup-compatibility/2006">
-        <mc:Choice xmlns:a14="http://schemas.microsoft.com/office/drawing/2010/main" Requires="a14">
+      <mc:AlternateContent xmlns:mc="http://schemas.openxmlformats.org/markup-compatibility/2006" xmlns:a14="http://schemas.microsoft.com/office/drawing/2010/main">
+        <mc:Choice Requires="a14">
           <p:sp>
             <p:nvSpPr>
               <p:cNvPr id="50" name="TextBox 49">
@@ -10080,7 +10074,7 @@
             </p:txBody>
           </p:sp>
         </mc:Choice>
-        <mc:Fallback>
+        <mc:Fallback xmlns="">
           <p:sp>
             <p:nvSpPr>
               <p:cNvPr id="50" name="TextBox 49">
@@ -10325,8 +10319,8 @@
           </a:prstGeom>
         </p:spPr>
       </p:pic>
-      <mc:AlternateContent xmlns:mc="http://schemas.openxmlformats.org/markup-compatibility/2006">
-        <mc:Choice xmlns:a14="http://schemas.microsoft.com/office/drawing/2010/main" Requires="a14">
+      <mc:AlternateContent xmlns:mc="http://schemas.openxmlformats.org/markup-compatibility/2006" xmlns:a14="http://schemas.microsoft.com/office/drawing/2010/main">
+        <mc:Choice Requires="a14">
           <p:sp>
             <p:nvSpPr>
               <p:cNvPr id="22" name="TextBox 21">
@@ -10355,6 +10349,7 @@
               </a:bodyPr>
               <a:lstStyle/>
               <a:p>
+                <a:pPr/>
                 <a14:m>
                   <m:oMathPara xmlns:m="http://schemas.openxmlformats.org/officeDocument/2006/math">
                     <m:oMathParaPr>
@@ -10381,7 +10376,7 @@
             </p:txBody>
           </p:sp>
         </mc:Choice>
-        <mc:Fallback>
+        <mc:Fallback xmlns="">
           <p:sp>
             <p:nvSpPr>
               <p:cNvPr id="22" name="TextBox 21">
@@ -10426,8 +10421,8 @@
           </p:sp>
         </mc:Fallback>
       </mc:AlternateContent>
-      <mc:AlternateContent xmlns:mc="http://schemas.openxmlformats.org/markup-compatibility/2006">
-        <mc:Choice xmlns:a14="http://schemas.microsoft.com/office/drawing/2010/main" Requires="a14">
+      <mc:AlternateContent xmlns:mc="http://schemas.openxmlformats.org/markup-compatibility/2006" xmlns:a14="http://schemas.microsoft.com/office/drawing/2010/main">
+        <mc:Choice Requires="a14">
           <p:sp>
             <p:nvSpPr>
               <p:cNvPr id="26" name="TextBox 25">
@@ -10483,7 +10478,7 @@
             </p:txBody>
           </p:sp>
         </mc:Choice>
-        <mc:Fallback>
+        <mc:Fallback xmlns="">
           <p:sp>
             <p:nvSpPr>
               <p:cNvPr id="26" name="TextBox 25">
@@ -10528,8 +10523,8 @@
           </p:sp>
         </mc:Fallback>
       </mc:AlternateContent>
-      <mc:AlternateContent xmlns:mc="http://schemas.openxmlformats.org/markup-compatibility/2006">
-        <mc:Choice xmlns:a14="http://schemas.microsoft.com/office/drawing/2010/main" Requires="a14">
+      <mc:AlternateContent xmlns:mc="http://schemas.openxmlformats.org/markup-compatibility/2006" xmlns:a14="http://schemas.microsoft.com/office/drawing/2010/main">
+        <mc:Choice Requires="a14">
           <p:sp>
             <p:nvSpPr>
               <p:cNvPr id="28" name="TextBox 27">
@@ -10585,7 +10580,7 @@
             </p:txBody>
           </p:sp>
         </mc:Choice>
-        <mc:Fallback>
+        <mc:Fallback xmlns="">
           <p:sp>
             <p:nvSpPr>
               <p:cNvPr id="28" name="TextBox 27">
@@ -10630,8 +10625,8 @@
           </p:sp>
         </mc:Fallback>
       </mc:AlternateContent>
-      <mc:AlternateContent xmlns:mc="http://schemas.openxmlformats.org/markup-compatibility/2006">
-        <mc:Choice xmlns:a14="http://schemas.microsoft.com/office/drawing/2010/main" Requires="a14">
+      <mc:AlternateContent xmlns:mc="http://schemas.openxmlformats.org/markup-compatibility/2006" xmlns:a14="http://schemas.microsoft.com/office/drawing/2010/main">
+        <mc:Choice Requires="a14">
           <p:sp>
             <p:nvSpPr>
               <p:cNvPr id="30" name="TextBox 29">
@@ -10687,7 +10682,7 @@
             </p:txBody>
           </p:sp>
         </mc:Choice>
-        <mc:Fallback>
+        <mc:Fallback xmlns="">
           <p:sp>
             <p:nvSpPr>
               <p:cNvPr id="30" name="TextBox 29">
@@ -10732,8 +10727,8 @@
           </p:sp>
         </mc:Fallback>
       </mc:AlternateContent>
-      <mc:AlternateContent xmlns:mc="http://schemas.openxmlformats.org/markup-compatibility/2006">
-        <mc:Choice xmlns:a14="http://schemas.microsoft.com/office/drawing/2010/main" Requires="a14">
+      <mc:AlternateContent xmlns:mc="http://schemas.openxmlformats.org/markup-compatibility/2006" xmlns:a14="http://schemas.microsoft.com/office/drawing/2010/main">
+        <mc:Choice Requires="a14">
           <p:sp>
             <p:nvSpPr>
               <p:cNvPr id="32" name="TextBox 31">
@@ -10795,7 +10790,7 @@
             </p:txBody>
           </p:sp>
         </mc:Choice>
-        <mc:Fallback>
+        <mc:Fallback xmlns="">
           <p:sp>
             <p:nvSpPr>
               <p:cNvPr id="32" name="TextBox 31">
@@ -10978,8 +10973,8 @@
           </a:fontRef>
         </p:style>
       </p:cxnSp>
-      <mc:AlternateContent xmlns:mc="http://schemas.openxmlformats.org/markup-compatibility/2006">
-        <mc:Choice xmlns:a14="http://schemas.microsoft.com/office/drawing/2010/main" Requires="a14">
+      <mc:AlternateContent xmlns:mc="http://schemas.openxmlformats.org/markup-compatibility/2006" xmlns:a14="http://schemas.microsoft.com/office/drawing/2010/main">
+        <mc:Choice Requires="a14">
           <p:sp>
             <p:nvSpPr>
               <p:cNvPr id="49" name="TextBox 48">
@@ -11008,6 +11003,7 @@
               </a:bodyPr>
               <a:lstStyle/>
               <a:p>
+                <a:pPr/>
                 <a14:m>
                   <m:oMathPara xmlns:m="http://schemas.openxmlformats.org/officeDocument/2006/math">
                     <m:oMathParaPr>
@@ -11046,7 +11042,7 @@
             </p:txBody>
           </p:sp>
         </mc:Choice>
-        <mc:Fallback>
+        <mc:Fallback xmlns="">
           <p:sp>
             <p:nvSpPr>
               <p:cNvPr id="49" name="TextBox 48">
@@ -11091,8 +11087,8 @@
           </p:sp>
         </mc:Fallback>
       </mc:AlternateContent>
-      <mc:AlternateContent xmlns:mc="http://schemas.openxmlformats.org/markup-compatibility/2006">
-        <mc:Choice xmlns:a14="http://schemas.microsoft.com/office/drawing/2010/main" Requires="a14">
+      <mc:AlternateContent xmlns:mc="http://schemas.openxmlformats.org/markup-compatibility/2006" xmlns:a14="http://schemas.microsoft.com/office/drawing/2010/main">
+        <mc:Choice Requires="a14">
           <p:sp>
             <p:nvSpPr>
               <p:cNvPr id="4" name="TextBox 3">
@@ -11234,7 +11230,7 @@
             </p:txBody>
           </p:sp>
         </mc:Choice>
-        <mc:Fallback>
+        <mc:Fallback xmlns="">
           <p:sp>
             <p:nvSpPr>
               <p:cNvPr id="4" name="TextBox 3">
@@ -11479,8 +11475,8 @@
           </a:prstGeom>
         </p:spPr>
       </p:pic>
-      <mc:AlternateContent xmlns:mc="http://schemas.openxmlformats.org/markup-compatibility/2006">
-        <mc:Choice xmlns:a14="http://schemas.microsoft.com/office/drawing/2010/main" Requires="a14">
+      <mc:AlternateContent xmlns:mc="http://schemas.openxmlformats.org/markup-compatibility/2006" xmlns:a14="http://schemas.microsoft.com/office/drawing/2010/main">
+        <mc:Choice Requires="a14">
           <p:sp>
             <p:nvSpPr>
               <p:cNvPr id="22" name="TextBox 21">
@@ -11509,6 +11505,7 @@
               </a:bodyPr>
               <a:lstStyle/>
               <a:p>
+                <a:pPr/>
                 <a14:m>
                   <m:oMathPara xmlns:m="http://schemas.openxmlformats.org/officeDocument/2006/math">
                     <m:oMathParaPr>
@@ -11535,7 +11532,7 @@
             </p:txBody>
           </p:sp>
         </mc:Choice>
-        <mc:Fallback>
+        <mc:Fallback xmlns="">
           <p:sp>
             <p:nvSpPr>
               <p:cNvPr id="22" name="TextBox 21">
@@ -11580,8 +11577,8 @@
           </p:sp>
         </mc:Fallback>
       </mc:AlternateContent>
-      <mc:AlternateContent xmlns:mc="http://schemas.openxmlformats.org/markup-compatibility/2006">
-        <mc:Choice xmlns:a14="http://schemas.microsoft.com/office/drawing/2010/main" Requires="a14">
+      <mc:AlternateContent xmlns:mc="http://schemas.openxmlformats.org/markup-compatibility/2006" xmlns:a14="http://schemas.microsoft.com/office/drawing/2010/main">
+        <mc:Choice Requires="a14">
           <p:sp>
             <p:nvSpPr>
               <p:cNvPr id="26" name="TextBox 25">
@@ -11637,7 +11634,7 @@
             </p:txBody>
           </p:sp>
         </mc:Choice>
-        <mc:Fallback>
+        <mc:Fallback xmlns="">
           <p:sp>
             <p:nvSpPr>
               <p:cNvPr id="26" name="TextBox 25">
@@ -11682,8 +11679,8 @@
           </p:sp>
         </mc:Fallback>
       </mc:AlternateContent>
-      <mc:AlternateContent xmlns:mc="http://schemas.openxmlformats.org/markup-compatibility/2006">
-        <mc:Choice xmlns:a14="http://schemas.microsoft.com/office/drawing/2010/main" Requires="a14">
+      <mc:AlternateContent xmlns:mc="http://schemas.openxmlformats.org/markup-compatibility/2006" xmlns:a14="http://schemas.microsoft.com/office/drawing/2010/main">
+        <mc:Choice Requires="a14">
           <p:sp>
             <p:nvSpPr>
               <p:cNvPr id="28" name="TextBox 27">
@@ -11739,7 +11736,7 @@
             </p:txBody>
           </p:sp>
         </mc:Choice>
-        <mc:Fallback>
+        <mc:Fallback xmlns="">
           <p:sp>
             <p:nvSpPr>
               <p:cNvPr id="28" name="TextBox 27">
@@ -11784,8 +11781,8 @@
           </p:sp>
         </mc:Fallback>
       </mc:AlternateContent>
-      <mc:AlternateContent xmlns:mc="http://schemas.openxmlformats.org/markup-compatibility/2006">
-        <mc:Choice xmlns:a14="http://schemas.microsoft.com/office/drawing/2010/main" Requires="a14">
+      <mc:AlternateContent xmlns:mc="http://schemas.openxmlformats.org/markup-compatibility/2006" xmlns:a14="http://schemas.microsoft.com/office/drawing/2010/main">
+        <mc:Choice Requires="a14">
           <p:sp>
             <p:nvSpPr>
               <p:cNvPr id="30" name="TextBox 29">
@@ -11841,7 +11838,7 @@
             </p:txBody>
           </p:sp>
         </mc:Choice>
-        <mc:Fallback>
+        <mc:Fallback xmlns="">
           <p:sp>
             <p:nvSpPr>
               <p:cNvPr id="30" name="TextBox 29">
@@ -11886,8 +11883,8 @@
           </p:sp>
         </mc:Fallback>
       </mc:AlternateContent>
-      <mc:AlternateContent xmlns:mc="http://schemas.openxmlformats.org/markup-compatibility/2006">
-        <mc:Choice xmlns:a14="http://schemas.microsoft.com/office/drawing/2010/main" Requires="a14">
+      <mc:AlternateContent xmlns:mc="http://schemas.openxmlformats.org/markup-compatibility/2006" xmlns:a14="http://schemas.microsoft.com/office/drawing/2010/main">
+        <mc:Choice Requires="a14">
           <p:sp>
             <p:nvSpPr>
               <p:cNvPr id="32" name="TextBox 31">
@@ -11949,7 +11946,7 @@
             </p:txBody>
           </p:sp>
         </mc:Choice>
-        <mc:Fallback>
+        <mc:Fallback xmlns="">
           <p:sp>
             <p:nvSpPr>
               <p:cNvPr id="32" name="TextBox 31">
@@ -12132,8 +12129,8 @@
           </a:fontRef>
         </p:style>
       </p:cxnSp>
-      <mc:AlternateContent xmlns:mc="http://schemas.openxmlformats.org/markup-compatibility/2006">
-        <mc:Choice xmlns:a14="http://schemas.microsoft.com/office/drawing/2010/main" Requires="a14">
+      <mc:AlternateContent xmlns:mc="http://schemas.openxmlformats.org/markup-compatibility/2006" xmlns:a14="http://schemas.microsoft.com/office/drawing/2010/main">
+        <mc:Choice Requires="a14">
           <p:sp>
             <p:nvSpPr>
               <p:cNvPr id="49" name="TextBox 48">
@@ -12162,6 +12159,7 @@
               </a:bodyPr>
               <a:lstStyle/>
               <a:p>
+                <a:pPr/>
                 <a14:m>
                   <m:oMathPara xmlns:m="http://schemas.openxmlformats.org/officeDocument/2006/math">
                     <m:oMathParaPr>
@@ -12200,7 +12198,7 @@
             </p:txBody>
           </p:sp>
         </mc:Choice>
-        <mc:Fallback>
+        <mc:Fallback xmlns="">
           <p:sp>
             <p:nvSpPr>
               <p:cNvPr id="49" name="TextBox 48">
@@ -12245,8 +12243,8 @@
           </p:sp>
         </mc:Fallback>
       </mc:AlternateContent>
-      <mc:AlternateContent xmlns:mc="http://schemas.openxmlformats.org/markup-compatibility/2006">
-        <mc:Choice xmlns:a14="http://schemas.microsoft.com/office/drawing/2010/main" Requires="a14">
+      <mc:AlternateContent xmlns:mc="http://schemas.openxmlformats.org/markup-compatibility/2006" xmlns:a14="http://schemas.microsoft.com/office/drawing/2010/main">
+        <mc:Choice Requires="a14">
           <p:sp>
             <p:nvSpPr>
               <p:cNvPr id="4" name="TextBox 3">
@@ -12388,7 +12386,7 @@
             </p:txBody>
           </p:sp>
         </mc:Choice>
-        <mc:Fallback>
+        <mc:Fallback xmlns="">
           <p:sp>
             <p:nvSpPr>
               <p:cNvPr id="4" name="TextBox 3">
@@ -12463,8 +12461,8 @@
           <a:chExt cx="0" cy="0"/>
         </a:xfrm>
       </p:grpSpPr>
-      <mc:AlternateContent xmlns:mc="http://schemas.openxmlformats.org/markup-compatibility/2006">
-        <mc:Choice xmlns:a14="http://schemas.microsoft.com/office/drawing/2010/main" Requires="a14">
+      <mc:AlternateContent xmlns:mc="http://schemas.openxmlformats.org/markup-compatibility/2006" xmlns:a14="http://schemas.microsoft.com/office/drawing/2010/main">
+        <mc:Choice Requires="a14">
           <p:sp>
             <p:nvSpPr>
               <p:cNvPr id="2" name="Title 1">
@@ -12507,7 +12505,7 @@
             </p:txBody>
           </p:sp>
         </mc:Choice>
-        <mc:Fallback>
+        <mc:Fallback xmlns="">
           <p:sp>
             <p:nvSpPr>
               <p:cNvPr id="2" name="Title 1">
@@ -12547,8 +12545,8 @@
           </p:sp>
         </mc:Fallback>
       </mc:AlternateContent>
-      <mc:AlternateContent xmlns:mc="http://schemas.openxmlformats.org/markup-compatibility/2006">
-        <mc:Choice xmlns:a14="http://schemas.microsoft.com/office/drawing/2010/main" Requires="a14">
+      <mc:AlternateContent xmlns:mc="http://schemas.openxmlformats.org/markup-compatibility/2006" xmlns:a14="http://schemas.microsoft.com/office/drawing/2010/main">
+        <mc:Choice Requires="a14">
           <p:sp>
             <p:nvSpPr>
               <p:cNvPr id="3" name="Content Placeholder 2">
@@ -12666,7 +12664,7 @@
             </p:txBody>
           </p:sp>
         </mc:Choice>
-        <mc:Fallback>
+        <mc:Fallback xmlns="">
           <p:sp>
             <p:nvSpPr>
               <p:cNvPr id="3" name="Content Placeholder 2">
@@ -12768,8 +12766,8 @@
           </a:p>
         </p:txBody>
       </p:sp>
-      <mc:AlternateContent xmlns:mc="http://schemas.openxmlformats.org/markup-compatibility/2006">
-        <mc:Choice xmlns:a14="http://schemas.microsoft.com/office/drawing/2010/main" Requires="a14">
+      <mc:AlternateContent xmlns:mc="http://schemas.openxmlformats.org/markup-compatibility/2006" xmlns:a14="http://schemas.microsoft.com/office/drawing/2010/main">
+        <mc:Choice Requires="a14">
           <p:sp>
             <p:nvSpPr>
               <p:cNvPr id="3" name="Content Placeholder 2">
@@ -12873,7 +12871,7 @@
             </p:txBody>
           </p:sp>
         </mc:Choice>
-        <mc:Fallback>
+        <mc:Fallback xmlns="">
           <p:sp>
             <p:nvSpPr>
               <p:cNvPr id="3" name="Content Placeholder 2">
@@ -12971,8 +12969,8 @@
           </a:p>
         </p:txBody>
       </p:sp>
-      <mc:AlternateContent xmlns:mc="http://schemas.openxmlformats.org/markup-compatibility/2006">
-        <mc:Choice xmlns:a14="http://schemas.microsoft.com/office/drawing/2010/main" Requires="a14">
+      <mc:AlternateContent xmlns:mc="http://schemas.openxmlformats.org/markup-compatibility/2006" xmlns:a14="http://schemas.microsoft.com/office/drawing/2010/main">
+        <mc:Choice Requires="a14">
           <p:sp>
             <p:nvSpPr>
               <p:cNvPr id="3" name="Content Placeholder 2">
@@ -13262,7 +13260,7 @@
             </p:txBody>
           </p:sp>
         </mc:Choice>
-        <mc:Fallback>
+        <mc:Fallback xmlns="">
           <p:sp>
             <p:nvSpPr>
               <p:cNvPr id="3" name="Content Placeholder 2">
@@ -13369,8 +13367,8 @@
           </a:p>
         </p:txBody>
       </p:sp>
-      <mc:AlternateContent xmlns:mc="http://schemas.openxmlformats.org/markup-compatibility/2006">
-        <mc:Choice xmlns:a14="http://schemas.microsoft.com/office/drawing/2010/main" Requires="a14">
+      <mc:AlternateContent xmlns:mc="http://schemas.openxmlformats.org/markup-compatibility/2006" xmlns:a14="http://schemas.microsoft.com/office/drawing/2010/main">
+        <mc:Choice Requires="a14">
           <p:sp>
             <p:nvSpPr>
               <p:cNvPr id="3" name="Content Placeholder 2">
@@ -13973,7 +13971,7 @@
             </p:txBody>
           </p:sp>
         </mc:Choice>
-        <mc:Fallback>
+        <mc:Fallback xmlns="">
           <p:sp>
             <p:nvSpPr>
               <p:cNvPr id="3" name="Content Placeholder 2">
@@ -14076,8 +14074,8 @@
           </a:p>
         </p:txBody>
       </p:sp>
-      <mc:AlternateContent xmlns:mc="http://schemas.openxmlformats.org/markup-compatibility/2006">
-        <mc:Choice xmlns:a14="http://schemas.microsoft.com/office/drawing/2010/main" Requires="a14">
+      <mc:AlternateContent xmlns:mc="http://schemas.openxmlformats.org/markup-compatibility/2006" xmlns:a14="http://schemas.microsoft.com/office/drawing/2010/main">
+        <mc:Choice Requires="a14">
           <p:sp>
             <p:nvSpPr>
               <p:cNvPr id="3" name="Content Placeholder 2">
@@ -14554,7 +14552,7 @@
             </p:txBody>
           </p:sp>
         </mc:Choice>
-        <mc:Fallback>
+        <mc:Fallback xmlns="">
           <p:sp>
             <p:nvSpPr>
               <p:cNvPr id="3" name="Content Placeholder 2">
@@ -14682,18 +14680,24 @@
                 <a14:m>
                   <m:oMath xmlns:m="http://schemas.openxmlformats.org/officeDocument/2006/math">
                     <m:r>
-                      <a:rPr lang="en-GB" smtClean="0"/>
+                      <a:rPr lang="en-GB" smtClean="0">
+                        <a:latin typeface="Cambria Math" panose="02040503050406030204" pitchFamily="18" charset="0"/>
+                      </a:rPr>
                       <m:t>𝐻</m:t>
                     </m:r>
                     <m:d>
                       <m:dPr>
                         <m:ctrlPr>
-                          <a:rPr lang="en-GB" smtClean="0"/>
+                          <a:rPr lang="en-GB" i="1" smtClean="0">
+                            <a:latin typeface="Cambria Math" panose="02040503050406030204" pitchFamily="18" charset="0"/>
+                          </a:rPr>
                         </m:ctrlPr>
                       </m:dPr>
                       <m:e>
                         <m:r>
-                          <a:rPr lang="en-GB" smtClean="0"/>
+                          <a:rPr lang="en-GB" smtClean="0">
+                            <a:latin typeface="Cambria Math" panose="02040503050406030204" pitchFamily="18" charset="0"/>
+                          </a:rPr>
                           <m:t>𝑋</m:t>
                         </m:r>
                         <m:d>
@@ -14701,12 +14705,16 @@
                             <m:begChr m:val="["/>
                             <m:endChr m:val="]"/>
                             <m:ctrlPr>
-                              <a:rPr lang="en-GB" smtClean="0"/>
+                              <a:rPr lang="en-GB" i="1" smtClean="0">
+                                <a:latin typeface="Cambria Math" panose="02040503050406030204" pitchFamily="18" charset="0"/>
+                              </a:rPr>
                             </m:ctrlPr>
                           </m:dPr>
                           <m:e>
                             <m:r>
-                              <a:rPr lang="en-GB" smtClean="0"/>
+                              <a:rPr lang="en-GB" smtClean="0">
+                                <a:latin typeface="Cambria Math" panose="02040503050406030204" pitchFamily="18" charset="0"/>
+                              </a:rPr>
                               <m:t>5 :8</m:t>
                             </m:r>
                           </m:e>
@@ -14714,7 +14722,9 @@
                       </m:e>
                     </m:d>
                     <m:r>
-                      <a:rPr lang="en-GB" smtClean="0"/>
+                      <a:rPr lang="en-GB" smtClean="0">
+                        <a:latin typeface="Cambria Math" panose="02040503050406030204" pitchFamily="18" charset="0"/>
+                      </a:rPr>
                       <m:t> </m:t>
                     </m:r>
                   </m:oMath>
@@ -14726,18 +14736,24 @@
                 <a14:m>
                   <m:oMath xmlns:m="http://schemas.openxmlformats.org/officeDocument/2006/math">
                     <m:r>
-                      <a:rPr lang="en-GB" smtClean="0"/>
+                      <a:rPr lang="en-GB" smtClean="0">
+                        <a:latin typeface="Cambria Math" panose="02040503050406030204" pitchFamily="18" charset="0"/>
+                      </a:rPr>
                       <m:t>𝐻</m:t>
                     </m:r>
                     <m:d>
                       <m:dPr>
                         <m:ctrlPr>
-                          <a:rPr lang="en-GB" smtClean="0"/>
+                          <a:rPr lang="en-GB" i="1" smtClean="0">
+                            <a:latin typeface="Cambria Math" panose="02040503050406030204" pitchFamily="18" charset="0"/>
+                          </a:rPr>
                         </m:ctrlPr>
                       </m:dPr>
                       <m:e>
                         <m:r>
-                          <a:rPr lang="en-GB" smtClean="0"/>
+                          <a:rPr lang="en-GB" smtClean="0">
+                            <a:latin typeface="Cambria Math" panose="02040503050406030204" pitchFamily="18" charset="0"/>
+                          </a:rPr>
                           <m:t>𝑋</m:t>
                         </m:r>
                         <m:d>
@@ -14745,12 +14761,16 @@
                             <m:begChr m:val="["/>
                             <m:endChr m:val="]"/>
                             <m:ctrlPr>
-                              <a:rPr lang="en-GB" smtClean="0"/>
+                              <a:rPr lang="en-GB" i="1" smtClean="0">
+                                <a:latin typeface="Cambria Math" panose="02040503050406030204" pitchFamily="18" charset="0"/>
+                              </a:rPr>
                             </m:ctrlPr>
                           </m:dPr>
                           <m:e>
                             <m:r>
-                              <a:rPr lang="en-GB" smtClean="0"/>
+                              <a:rPr lang="en-GB" smtClean="0">
+                                <a:latin typeface="Cambria Math" panose="02040503050406030204" pitchFamily="18" charset="0"/>
+                              </a:rPr>
                               <m:t>4 :7</m:t>
                             </m:r>
                           </m:e>
@@ -14765,36 +14785,15 @@
                 </a:r>
               </a:p>
               <a:p>
-                <a:r>
-                  <a:rPr lang="en-GB" b="0" dirty="0"/>
-                  <a:t>Con </a:t>
-                </a:r>
+                <a:endParaRPr lang="es-CL" dirty="0"/>
+              </a:p>
+              <a:p>
                 <a14:m>
                   <m:oMath xmlns:m="http://schemas.openxmlformats.org/officeDocument/2006/math">
                     <m:r>
-                      <a:rPr lang="en-GB" b="0" i="1" smtClean="0">
+                      <a:rPr lang="en-GB" smtClean="0">
                         <a:latin typeface="Cambria Math" panose="02040503050406030204" pitchFamily="18" charset="0"/>
                       </a:rPr>
-                      <m:t>𝑛</m:t>
-                    </m:r>
-                    <m:r>
-                      <a:rPr lang="en-GB" b="0" i="1" smtClean="0">
-                        <a:latin typeface="Cambria Math" panose="02040503050406030204" pitchFamily="18" charset="0"/>
-                      </a:rPr>
-                      <m:t>=10</m:t>
-                    </m:r>
-                  </m:oMath>
-                </a14:m>
-                <a:endParaRPr lang="es-CL" dirty="0"/>
-              </a:p>
-              <a:p>
-                <a:endParaRPr lang="es-CL" dirty="0"/>
-              </a:p>
-              <a:p>
-                <a14:m>
-                  <m:oMath xmlns:m="http://schemas.openxmlformats.org/officeDocument/2006/math">
-                    <m:r>
-                      <a:rPr lang="en-GB" smtClean="0"/>
                       <m:t>𝑋</m:t>
                     </m:r>
                     <m:d>
@@ -14802,50 +14801,65 @@
                         <m:begChr m:val="["/>
                         <m:endChr m:val="]"/>
                         <m:ctrlPr>
-                          <a:rPr lang="en-GB" smtClean="0"/>
+                          <a:rPr lang="en-GB" i="1" smtClean="0">
+                            <a:latin typeface="Cambria Math" panose="02040503050406030204" pitchFamily="18" charset="0"/>
+                          </a:rPr>
                         </m:ctrlPr>
                       </m:dPr>
                       <m:e>
                         <m:r>
-                          <a:rPr lang="en-GB" smtClean="0"/>
+                          <a:rPr lang="en-GB" smtClean="0">
+                            <a:latin typeface="Cambria Math" panose="02040503050406030204" pitchFamily="18" charset="0"/>
+                          </a:rPr>
                           <m:t>4 :7</m:t>
                         </m:r>
                       </m:e>
                     </m:d>
                     <m:r>
-                      <a:rPr lang="en-GB" smtClean="0"/>
+                      <a:rPr lang="en-GB" smtClean="0">
+                        <a:latin typeface="Cambria Math" panose="02040503050406030204" pitchFamily="18" charset="0"/>
+                      </a:rPr>
                       <m:t>=[</m:t>
                     </m:r>
                     <m:sSub>
                       <m:sSubPr>
                         <m:ctrlPr>
-                          <a:rPr lang="en-GB" smtClean="0"/>
+                          <a:rPr lang="en-GB" i="1" smtClean="0">
+                            <a:latin typeface="Cambria Math" panose="02040503050406030204" pitchFamily="18" charset="0"/>
+                          </a:rPr>
                         </m:ctrlPr>
                       </m:sSubPr>
                       <m:e>
                         <m:r>
-                          <a:rPr lang="en-GB" smtClean="0"/>
+                          <a:rPr lang="en-GB" smtClean="0">
+                            <a:latin typeface="Cambria Math" panose="02040503050406030204" pitchFamily="18" charset="0"/>
+                          </a:rPr>
                           <m:t>𝑥</m:t>
                         </m:r>
                       </m:e>
                       <m:sub>
                         <m:r>
-                          <a:rPr lang="en-GB" smtClean="0"/>
+                          <a:rPr lang="en-GB" smtClean="0">
+                            <a:latin typeface="Cambria Math" panose="02040503050406030204" pitchFamily="18" charset="0"/>
+                          </a:rPr>
                           <m:t>4</m:t>
                         </m:r>
                       </m:sub>
                     </m:sSub>
                     <m:r>
-                      <a:rPr lang="en-GB" smtClean="0"/>
+                      <a:rPr lang="en-GB" smtClean="0">
+                        <a:latin typeface="Cambria Math" panose="02040503050406030204" pitchFamily="18" charset="0"/>
+                      </a:rPr>
                       <m:t>,</m:t>
                     </m:r>
                     <m:sSub>
                       <m:sSubPr>
                         <m:ctrlPr>
-                          <a:rPr lang="en-GB" smtClean="0">
+                          <a:rPr lang="en-GB" i="1" smtClean="0">
                             <a:solidFill>
                               <a:schemeClr val="accent2"/>
                             </a:solidFill>
+                            <a:latin typeface="Cambria Math" panose="02040503050406030204" pitchFamily="18" charset="0"/>
                           </a:rPr>
                         </m:ctrlPr>
                       </m:sSubPr>
@@ -14855,6 +14869,7 @@
                             <a:solidFill>
                               <a:schemeClr val="accent2"/>
                             </a:solidFill>
+                            <a:latin typeface="Cambria Math" panose="02040503050406030204" pitchFamily="18" charset="0"/>
                           </a:rPr>
                           <m:t>𝑥</m:t>
                         </m:r>
@@ -14865,6 +14880,7 @@
                             <a:solidFill>
                               <a:schemeClr val="accent2"/>
                             </a:solidFill>
+                            <a:latin typeface="Cambria Math" panose="02040503050406030204" pitchFamily="18" charset="0"/>
                           </a:rPr>
                           <m:t>5</m:t>
                         </m:r>
@@ -14875,16 +14891,18 @@
                         <a:solidFill>
                           <a:schemeClr val="accent2"/>
                         </a:solidFill>
+                        <a:latin typeface="Cambria Math" panose="02040503050406030204" pitchFamily="18" charset="0"/>
                       </a:rPr>
                       <m:t>,</m:t>
                     </m:r>
                     <m:sSub>
                       <m:sSubPr>
                         <m:ctrlPr>
-                          <a:rPr lang="en-GB" smtClean="0">
+                          <a:rPr lang="en-GB" i="1" smtClean="0">
                             <a:solidFill>
                               <a:schemeClr val="accent2"/>
                             </a:solidFill>
+                            <a:latin typeface="Cambria Math" panose="02040503050406030204" pitchFamily="18" charset="0"/>
                           </a:rPr>
                         </m:ctrlPr>
                       </m:sSubPr>
@@ -14894,6 +14912,7 @@
                             <a:solidFill>
                               <a:schemeClr val="accent2"/>
                             </a:solidFill>
+                            <a:latin typeface="Cambria Math" panose="02040503050406030204" pitchFamily="18" charset="0"/>
                           </a:rPr>
                           <m:t>𝑥</m:t>
                         </m:r>
@@ -14904,6 +14923,7 @@
                             <a:solidFill>
                               <a:schemeClr val="accent2"/>
                             </a:solidFill>
+                            <a:latin typeface="Cambria Math" panose="02040503050406030204" pitchFamily="18" charset="0"/>
                           </a:rPr>
                           <m:t>6</m:t>
                         </m:r>
@@ -14914,16 +14934,18 @@
                         <a:solidFill>
                           <a:schemeClr val="accent2"/>
                         </a:solidFill>
+                        <a:latin typeface="Cambria Math" panose="02040503050406030204" pitchFamily="18" charset="0"/>
                       </a:rPr>
                       <m:t>,</m:t>
                     </m:r>
                     <m:sSub>
                       <m:sSubPr>
                         <m:ctrlPr>
-                          <a:rPr lang="en-GB" smtClean="0">
+                          <a:rPr lang="en-GB" i="1" smtClean="0">
                             <a:solidFill>
                               <a:schemeClr val="accent2"/>
                             </a:solidFill>
+                            <a:latin typeface="Cambria Math" panose="02040503050406030204" pitchFamily="18" charset="0"/>
                           </a:rPr>
                         </m:ctrlPr>
                       </m:sSubPr>
@@ -14933,6 +14955,7 @@
                             <a:solidFill>
                               <a:schemeClr val="accent2"/>
                             </a:solidFill>
+                            <a:latin typeface="Cambria Math" panose="02040503050406030204" pitchFamily="18" charset="0"/>
                           </a:rPr>
                           <m:t>𝑥</m:t>
                         </m:r>
@@ -14943,13 +14966,16 @@
                             <a:solidFill>
                               <a:schemeClr val="accent2"/>
                             </a:solidFill>
+                            <a:latin typeface="Cambria Math" panose="02040503050406030204" pitchFamily="18" charset="0"/>
                           </a:rPr>
                           <m:t>7</m:t>
                         </m:r>
                       </m:sub>
                     </m:sSub>
                     <m:r>
-                      <a:rPr lang="en-GB" smtClean="0"/>
+                      <a:rPr lang="en-GB" smtClean="0">
+                        <a:latin typeface="Cambria Math" panose="02040503050406030204" pitchFamily="18" charset="0"/>
+                      </a:rPr>
                       <m:t>]</m:t>
                     </m:r>
                   </m:oMath>
@@ -14960,7 +14986,9 @@
                 <a14:m>
                   <m:oMath xmlns:m="http://schemas.openxmlformats.org/officeDocument/2006/math">
                     <m:r>
-                      <a:rPr lang="en-GB" smtClean="0"/>
+                      <a:rPr lang="en-GB" smtClean="0">
+                        <a:latin typeface="Cambria Math" panose="02040503050406030204" pitchFamily="18" charset="0"/>
+                      </a:rPr>
                       <m:t>𝑋</m:t>
                     </m:r>
                     <m:d>
@@ -14968,27 +14996,34 @@
                         <m:begChr m:val="["/>
                         <m:endChr m:val="]"/>
                         <m:ctrlPr>
-                          <a:rPr lang="en-GB" smtClean="0"/>
+                          <a:rPr lang="en-GB" i="1" smtClean="0">
+                            <a:latin typeface="Cambria Math" panose="02040503050406030204" pitchFamily="18" charset="0"/>
+                          </a:rPr>
                         </m:ctrlPr>
                       </m:dPr>
                       <m:e>
                         <m:r>
-                          <a:rPr lang="en-GB" smtClean="0"/>
+                          <a:rPr lang="en-GB" smtClean="0">
+                            <a:latin typeface="Cambria Math" panose="02040503050406030204" pitchFamily="18" charset="0"/>
+                          </a:rPr>
                           <m:t>5 :8</m:t>
                         </m:r>
                       </m:e>
                     </m:d>
                     <m:r>
-                      <a:rPr lang="en-GB" smtClean="0"/>
+                      <a:rPr lang="en-GB" smtClean="0">
+                        <a:latin typeface="Cambria Math" panose="02040503050406030204" pitchFamily="18" charset="0"/>
+                      </a:rPr>
                       <m:t>=[</m:t>
                     </m:r>
                     <m:sSub>
                       <m:sSubPr>
                         <m:ctrlPr>
-                          <a:rPr lang="en-GB" smtClean="0">
+                          <a:rPr lang="en-GB" i="1" smtClean="0">
                             <a:solidFill>
                               <a:schemeClr val="accent2"/>
                             </a:solidFill>
+                            <a:latin typeface="Cambria Math" panose="02040503050406030204" pitchFamily="18" charset="0"/>
                           </a:rPr>
                         </m:ctrlPr>
                       </m:sSubPr>
@@ -14998,6 +15033,7 @@
                             <a:solidFill>
                               <a:schemeClr val="accent2"/>
                             </a:solidFill>
+                            <a:latin typeface="Cambria Math" panose="02040503050406030204" pitchFamily="18" charset="0"/>
                           </a:rPr>
                           <m:t>𝑥</m:t>
                         </m:r>
@@ -15008,6 +15044,7 @@
                             <a:solidFill>
                               <a:schemeClr val="accent2"/>
                             </a:solidFill>
+                            <a:latin typeface="Cambria Math" panose="02040503050406030204" pitchFamily="18" charset="0"/>
                           </a:rPr>
                           <m:t>5</m:t>
                         </m:r>
@@ -15018,16 +15055,18 @@
                         <a:solidFill>
                           <a:schemeClr val="accent2"/>
                         </a:solidFill>
+                        <a:latin typeface="Cambria Math" panose="02040503050406030204" pitchFamily="18" charset="0"/>
                       </a:rPr>
                       <m:t>,</m:t>
                     </m:r>
                     <m:sSub>
                       <m:sSubPr>
                         <m:ctrlPr>
-                          <a:rPr lang="en-GB" smtClean="0">
+                          <a:rPr lang="en-GB" i="1" smtClean="0">
                             <a:solidFill>
                               <a:schemeClr val="accent2"/>
                             </a:solidFill>
+                            <a:latin typeface="Cambria Math" panose="02040503050406030204" pitchFamily="18" charset="0"/>
                           </a:rPr>
                         </m:ctrlPr>
                       </m:sSubPr>
@@ -15037,6 +15076,7 @@
                             <a:solidFill>
                               <a:schemeClr val="accent2"/>
                             </a:solidFill>
+                            <a:latin typeface="Cambria Math" panose="02040503050406030204" pitchFamily="18" charset="0"/>
                           </a:rPr>
                           <m:t>𝑥</m:t>
                         </m:r>
@@ -15047,6 +15087,7 @@
                             <a:solidFill>
                               <a:schemeClr val="accent2"/>
                             </a:solidFill>
+                            <a:latin typeface="Cambria Math" panose="02040503050406030204" pitchFamily="18" charset="0"/>
                           </a:rPr>
                           <m:t>6</m:t>
                         </m:r>
@@ -15057,16 +15098,18 @@
                         <a:solidFill>
                           <a:schemeClr val="accent2"/>
                         </a:solidFill>
+                        <a:latin typeface="Cambria Math" panose="02040503050406030204" pitchFamily="18" charset="0"/>
                       </a:rPr>
                       <m:t>,</m:t>
                     </m:r>
                     <m:sSub>
                       <m:sSubPr>
                         <m:ctrlPr>
-                          <a:rPr lang="en-GB" smtClean="0">
+                          <a:rPr lang="en-GB" i="1" smtClean="0">
                             <a:solidFill>
                               <a:schemeClr val="accent2"/>
                             </a:solidFill>
+                            <a:latin typeface="Cambria Math" panose="02040503050406030204" pitchFamily="18" charset="0"/>
                           </a:rPr>
                         </m:ctrlPr>
                       </m:sSubPr>
@@ -15076,6 +15119,7 @@
                             <a:solidFill>
                               <a:schemeClr val="accent2"/>
                             </a:solidFill>
+                            <a:latin typeface="Cambria Math" panose="02040503050406030204" pitchFamily="18" charset="0"/>
                           </a:rPr>
                           <m:t>𝑥</m:t>
                         </m:r>
@@ -15086,36 +15130,47 @@
                             <a:solidFill>
                               <a:schemeClr val="accent2"/>
                             </a:solidFill>
+                            <a:latin typeface="Cambria Math" panose="02040503050406030204" pitchFamily="18" charset="0"/>
                           </a:rPr>
                           <m:t>7</m:t>
                         </m:r>
                       </m:sub>
                     </m:sSub>
                     <m:r>
-                      <a:rPr lang="en-GB" smtClean="0"/>
+                      <a:rPr lang="en-GB" smtClean="0">
+                        <a:latin typeface="Cambria Math" panose="02040503050406030204" pitchFamily="18" charset="0"/>
+                      </a:rPr>
                       <m:t>,</m:t>
                     </m:r>
                     <m:sSub>
                       <m:sSubPr>
                         <m:ctrlPr>
-                          <a:rPr lang="en-GB" smtClean="0"/>
+                          <a:rPr lang="en-GB" i="1" smtClean="0">
+                            <a:latin typeface="Cambria Math" panose="02040503050406030204" pitchFamily="18" charset="0"/>
+                          </a:rPr>
                         </m:ctrlPr>
                       </m:sSubPr>
                       <m:e>
                         <m:r>
-                          <a:rPr lang="en-GB" smtClean="0"/>
+                          <a:rPr lang="en-GB" smtClean="0">
+                            <a:latin typeface="Cambria Math" panose="02040503050406030204" pitchFamily="18" charset="0"/>
+                          </a:rPr>
                           <m:t>𝑥</m:t>
                         </m:r>
                       </m:e>
                       <m:sub>
                         <m:r>
-                          <a:rPr lang="en-GB" smtClean="0"/>
+                          <a:rPr lang="en-GB" smtClean="0">
+                            <a:latin typeface="Cambria Math" panose="02040503050406030204" pitchFamily="18" charset="0"/>
+                          </a:rPr>
                           <m:t>8</m:t>
                         </m:r>
                       </m:sub>
                     </m:sSub>
                     <m:r>
-                      <a:rPr lang="en-GB" smtClean="0"/>
+                      <a:rPr lang="en-GB" smtClean="0">
+                        <a:latin typeface="Cambria Math" panose="02040503050406030204" pitchFamily="18" charset="0"/>
+                      </a:rPr>
                       <m:t>]</m:t>
                     </m:r>
                   </m:oMath>
@@ -15253,18 +15308,24 @@
                 <a14:m>
                   <m:oMath xmlns:m="http://schemas.openxmlformats.org/officeDocument/2006/math">
                     <m:r>
-                      <a:rPr lang="en-GB" smtClean="0"/>
+                      <a:rPr lang="en-GB" smtClean="0">
+                        <a:latin typeface="Cambria Math" panose="02040503050406030204" pitchFamily="18" charset="0"/>
+                      </a:rPr>
                       <m:t>𝐻</m:t>
                     </m:r>
                     <m:d>
                       <m:dPr>
                         <m:ctrlPr>
-                          <a:rPr lang="en-GB" smtClean="0"/>
+                          <a:rPr lang="en-GB" i="1" smtClean="0">
+                            <a:latin typeface="Cambria Math" panose="02040503050406030204" pitchFamily="18" charset="0"/>
+                          </a:rPr>
                         </m:ctrlPr>
                       </m:dPr>
                       <m:e>
                         <m:r>
-                          <a:rPr lang="en-GB" smtClean="0"/>
+                          <a:rPr lang="en-GB" smtClean="0">
+                            <a:latin typeface="Cambria Math" panose="02040503050406030204" pitchFamily="18" charset="0"/>
+                          </a:rPr>
                           <m:t>𝑋</m:t>
                         </m:r>
                         <m:d>
@@ -15272,12 +15333,16 @@
                             <m:begChr m:val="["/>
                             <m:endChr m:val="]"/>
                             <m:ctrlPr>
-                              <a:rPr lang="en-GB" smtClean="0"/>
+                              <a:rPr lang="en-GB" i="1" smtClean="0">
+                                <a:latin typeface="Cambria Math" panose="02040503050406030204" pitchFamily="18" charset="0"/>
+                              </a:rPr>
                             </m:ctrlPr>
                           </m:dPr>
                           <m:e>
                             <m:r>
-                              <a:rPr lang="en-GB" smtClean="0"/>
+                              <a:rPr lang="en-GB" smtClean="0">
+                                <a:latin typeface="Cambria Math" panose="02040503050406030204" pitchFamily="18" charset="0"/>
+                              </a:rPr>
                               <m:t>5 :8</m:t>
                             </m:r>
                           </m:e>
@@ -15285,7 +15350,9 @@
                       </m:e>
                     </m:d>
                     <m:r>
-                      <a:rPr lang="en-GB" smtClean="0"/>
+                      <a:rPr lang="en-GB" smtClean="0">
+                        <a:latin typeface="Cambria Math" panose="02040503050406030204" pitchFamily="18" charset="0"/>
+                      </a:rPr>
                       <m:t> </m:t>
                     </m:r>
                   </m:oMath>
@@ -15297,18 +15364,24 @@
                 <a14:m>
                   <m:oMath xmlns:m="http://schemas.openxmlformats.org/officeDocument/2006/math">
                     <m:r>
-                      <a:rPr lang="en-GB" smtClean="0"/>
+                      <a:rPr lang="en-GB" smtClean="0">
+                        <a:latin typeface="Cambria Math" panose="02040503050406030204" pitchFamily="18" charset="0"/>
+                      </a:rPr>
                       <m:t>𝐻</m:t>
                     </m:r>
                     <m:d>
                       <m:dPr>
                         <m:ctrlPr>
-                          <a:rPr lang="en-GB" smtClean="0"/>
+                          <a:rPr lang="en-GB" i="1" smtClean="0">
+                            <a:latin typeface="Cambria Math" panose="02040503050406030204" pitchFamily="18" charset="0"/>
+                          </a:rPr>
                         </m:ctrlPr>
                       </m:dPr>
                       <m:e>
                         <m:r>
-                          <a:rPr lang="en-GB" smtClean="0"/>
+                          <a:rPr lang="en-GB" smtClean="0">
+                            <a:latin typeface="Cambria Math" panose="02040503050406030204" pitchFamily="18" charset="0"/>
+                          </a:rPr>
                           <m:t>𝑋</m:t>
                         </m:r>
                         <m:d>
@@ -15316,12 +15389,16 @@
                             <m:begChr m:val="["/>
                             <m:endChr m:val="]"/>
                             <m:ctrlPr>
-                              <a:rPr lang="en-GB" smtClean="0"/>
+                              <a:rPr lang="en-GB" i="1" smtClean="0">
+                                <a:latin typeface="Cambria Math" panose="02040503050406030204" pitchFamily="18" charset="0"/>
+                              </a:rPr>
                             </m:ctrlPr>
                           </m:dPr>
                           <m:e>
                             <m:r>
-                              <a:rPr lang="en-GB" smtClean="0"/>
+                              <a:rPr lang="en-GB" smtClean="0">
+                                <a:latin typeface="Cambria Math" panose="02040503050406030204" pitchFamily="18" charset="0"/>
+                              </a:rPr>
                               <m:t>4 :7</m:t>
                             </m:r>
                           </m:e>
@@ -15367,12 +15444,16 @@
                             <m:begChr m:val="["/>
                             <m:endChr m:val="]"/>
                             <m:ctrlPr>
-                              <a:rPr lang="en-GB" smtClean="0"/>
+                              <a:rPr lang="en-GB" i="1" smtClean="0">
+                                <a:latin typeface="Cambria Math" panose="02040503050406030204" pitchFamily="18" charset="0"/>
+                              </a:rPr>
                             </m:ctrlPr>
                           </m:dPr>
                           <m:e>
                             <m:r>
-                              <a:rPr lang="en-GB" smtClean="0"/>
+                              <a:rPr lang="en-GB" smtClean="0">
+                                <a:latin typeface="Cambria Math" panose="02040503050406030204" pitchFamily="18" charset="0"/>
+                              </a:rPr>
                               <m:t>4 :7</m:t>
                             </m:r>
                           </m:e>
@@ -15449,7 +15530,7 @@
                             </a:solidFill>
                             <a:latin typeface="Cambria Math" panose="02040503050406030204" pitchFamily="18" charset="0"/>
                           </a:rPr>
-                          <m:t>6</m:t>
+                          <m:t>3</m:t>
                         </m:r>
                       </m:sup>
                     </m:sSup>
@@ -15470,10 +15551,7 @@
                         <m:ctrlPr>
                           <a:rPr lang="en-GB" b="0" i="1" smtClean="0">
                             <a:solidFill>
-                              <a:schemeClr val="tx1">
-                                <a:lumMod val="75000"/>
-                                <a:lumOff val="25000"/>
-                              </a:schemeClr>
+                              <a:schemeClr val="accent2"/>
                             </a:solidFill>
                             <a:latin typeface="Cambria Math" panose="02040503050406030204" pitchFamily="18" charset="0"/>
                           </a:rPr>
@@ -15483,10 +15561,7 @@
                         <m:r>
                           <a:rPr lang="en-GB" b="0" i="1" smtClean="0">
                             <a:solidFill>
-                              <a:schemeClr val="tx1">
-                                <a:lumMod val="75000"/>
-                                <a:lumOff val="25000"/>
-                              </a:schemeClr>
+                              <a:schemeClr val="accent2"/>
                             </a:solidFill>
                             <a:latin typeface="Cambria Math" panose="02040503050406030204" pitchFamily="18" charset="0"/>
                           </a:rPr>
@@ -15497,10 +15572,7 @@
                         <m:r>
                           <a:rPr lang="en-GB" b="0" i="1" smtClean="0">
                             <a:solidFill>
-                              <a:schemeClr val="tx1">
-                                <a:lumMod val="75000"/>
-                                <a:lumOff val="25000"/>
-                              </a:schemeClr>
+                              <a:schemeClr val="accent2"/>
                             </a:solidFill>
                             <a:latin typeface="Cambria Math" panose="02040503050406030204" pitchFamily="18" charset="0"/>
                           </a:rPr>
@@ -15547,7 +15619,7 @@
                             </a:solidFill>
                             <a:latin typeface="Cambria Math" panose="02040503050406030204" pitchFamily="18" charset="0"/>
                           </a:rPr>
-                          <m:t>5</m:t>
+                          <m:t>2</m:t>
                         </m:r>
                       </m:sup>
                     </m:sSup>
@@ -15563,49 +15635,6 @@
                       </a:rPr>
                       <m:t>+</m:t>
                     </m:r>
-                    <m:sSub>
-                      <m:sSubPr>
-                        <m:ctrlPr>
-                          <a:rPr lang="en-GB" b="0" i="1" smtClean="0">
-                            <a:solidFill>
-                              <a:schemeClr val="tx1">
-                                <a:lumMod val="75000"/>
-                                <a:lumOff val="25000"/>
-                              </a:schemeClr>
-                            </a:solidFill>
-                            <a:latin typeface="Cambria Math" panose="02040503050406030204" pitchFamily="18" charset="0"/>
-                          </a:rPr>
-                        </m:ctrlPr>
-                      </m:sSubPr>
-                      <m:e>
-                        <m:r>
-                          <a:rPr lang="en-GB" b="0" i="1" smtClean="0">
-                            <a:solidFill>
-                              <a:schemeClr val="tx1">
-                                <a:lumMod val="75000"/>
-                                <a:lumOff val="25000"/>
-                              </a:schemeClr>
-                            </a:solidFill>
-                            <a:latin typeface="Cambria Math" panose="02040503050406030204" pitchFamily="18" charset="0"/>
-                          </a:rPr>
-                          <m:t>𝑥</m:t>
-                        </m:r>
-                      </m:e>
-                      <m:sub>
-                        <m:r>
-                          <a:rPr lang="en-GB" b="0" i="1" smtClean="0">
-                            <a:solidFill>
-                              <a:schemeClr val="tx1">
-                                <a:lumMod val="75000"/>
-                                <a:lumOff val="25000"/>
-                              </a:schemeClr>
-                            </a:solidFill>
-                            <a:latin typeface="Cambria Math" panose="02040503050406030204" pitchFamily="18" charset="0"/>
-                          </a:rPr>
-                          <m:t>6</m:t>
-                        </m:r>
-                      </m:sub>
-                    </m:sSub>
                     <m:sSup>
                       <m:sSupPr>
                         <m:ctrlPr>
@@ -15621,6 +15650,40 @@
                         </m:ctrlPr>
                       </m:sSupPr>
                       <m:e>
+                        <m:sSub>
+                          <m:sSubPr>
+                            <m:ctrlPr>
+                              <a:rPr lang="en-GB" i="1" smtClean="0">
+                                <a:solidFill>
+                                  <a:schemeClr val="accent2"/>
+                                </a:solidFill>
+                                <a:latin typeface="Cambria Math" panose="02040503050406030204" pitchFamily="18" charset="0"/>
+                              </a:rPr>
+                            </m:ctrlPr>
+                          </m:sSubPr>
+                          <m:e>
+                            <m:r>
+                              <a:rPr lang="en-GB" i="1">
+                                <a:solidFill>
+                                  <a:schemeClr val="accent2"/>
+                                </a:solidFill>
+                                <a:latin typeface="Cambria Math" panose="02040503050406030204" pitchFamily="18" charset="0"/>
+                              </a:rPr>
+                              <m:t>𝑥</m:t>
+                            </m:r>
+                          </m:e>
+                          <m:sub>
+                            <m:r>
+                              <a:rPr lang="en-GB" i="1">
+                                <a:solidFill>
+                                  <a:schemeClr val="accent2"/>
+                                </a:solidFill>
+                                <a:latin typeface="Cambria Math" panose="02040503050406030204" pitchFamily="18" charset="0"/>
+                              </a:rPr>
+                              <m:t>6</m:t>
+                            </m:r>
+                          </m:sub>
+                        </m:sSub>
                         <m:r>
                           <a:rPr lang="en-GB" b="0" i="1" smtClean="0">
                             <a:solidFill>
@@ -15645,7 +15708,7 @@
                             </a:solidFill>
                             <a:latin typeface="Cambria Math" panose="02040503050406030204" pitchFamily="18" charset="0"/>
                           </a:rPr>
-                          <m:t>4</m:t>
+                          <m:t>1</m:t>
                         </m:r>
                       </m:sup>
                     </m:sSup>
@@ -15666,10 +15729,7 @@
                         <m:ctrlPr>
                           <a:rPr lang="en-GB" b="0" i="1" smtClean="0">
                             <a:solidFill>
-                              <a:schemeClr val="tx1">
-                                <a:lumMod val="75000"/>
-                                <a:lumOff val="25000"/>
-                              </a:schemeClr>
+                              <a:schemeClr val="accent2"/>
                             </a:solidFill>
                             <a:latin typeface="Cambria Math" panose="02040503050406030204" pitchFamily="18" charset="0"/>
                           </a:rPr>
@@ -15679,10 +15739,7 @@
                         <m:r>
                           <a:rPr lang="en-GB" b="0" i="1" smtClean="0">
                             <a:solidFill>
-                              <a:schemeClr val="tx1">
-                                <a:lumMod val="75000"/>
-                                <a:lumOff val="25000"/>
-                              </a:schemeClr>
+                              <a:schemeClr val="accent2"/>
                             </a:solidFill>
                             <a:latin typeface="Cambria Math" panose="02040503050406030204" pitchFamily="18" charset="0"/>
                           </a:rPr>
@@ -15693,10 +15750,7 @@
                         <m:r>
                           <a:rPr lang="en-GB" b="0" i="1" smtClean="0">
                             <a:solidFill>
-                              <a:schemeClr val="tx1">
-                                <a:lumMod val="75000"/>
-                                <a:lumOff val="25000"/>
-                              </a:schemeClr>
+                              <a:schemeClr val="accent2"/>
                             </a:solidFill>
                             <a:latin typeface="Cambria Math" panose="02040503050406030204" pitchFamily="18" charset="0"/>
                           </a:rPr>
@@ -15743,7 +15797,7 @@
                             </a:solidFill>
                             <a:latin typeface="Cambria Math" panose="02040503050406030204" pitchFamily="18" charset="0"/>
                           </a:rPr>
-                          <m:t>3</m:t>
+                          <m:t>0</m:t>
                         </m:r>
                       </m:sup>
                     </m:sSup>
@@ -15874,10 +15928,7 @@
                         <m:ctrlPr>
                           <a:rPr lang="en-GB" i="1" smtClean="0">
                             <a:solidFill>
-                              <a:schemeClr val="tx1">
-                                <a:lumMod val="75000"/>
-                                <a:lumOff val="25000"/>
-                              </a:schemeClr>
+                              <a:schemeClr val="accent2"/>
                             </a:solidFill>
                             <a:latin typeface="Cambria Math" panose="02040503050406030204" pitchFamily="18" charset="0"/>
                           </a:rPr>
@@ -15887,10 +15938,7 @@
                         <m:r>
                           <a:rPr lang="en-GB" i="1">
                             <a:solidFill>
-                              <a:schemeClr val="tx1">
-                                <a:lumMod val="75000"/>
-                                <a:lumOff val="25000"/>
-                              </a:schemeClr>
+                              <a:schemeClr val="accent2"/>
                             </a:solidFill>
                             <a:latin typeface="Cambria Math" panose="02040503050406030204" pitchFamily="18" charset="0"/>
                           </a:rPr>
@@ -15901,10 +15949,7 @@
                         <m:r>
                           <a:rPr lang="en-GB" i="1">
                             <a:solidFill>
-                              <a:schemeClr val="tx1">
-                                <a:lumMod val="75000"/>
-                                <a:lumOff val="25000"/>
-                              </a:schemeClr>
+                              <a:schemeClr val="accent2"/>
                             </a:solidFill>
                             <a:latin typeface="Cambria Math" panose="02040503050406030204" pitchFamily="18" charset="0"/>
                           </a:rPr>
@@ -15942,7 +15987,7 @@
                       </m:e>
                       <m:sup>
                         <m:r>
-                          <a:rPr lang="en-GB" i="1">
+                          <a:rPr lang="en-GB" b="0" i="1" smtClean="0">
                             <a:solidFill>
                               <a:schemeClr val="tx1">
                                 <a:lumMod val="75000"/>
@@ -15951,7 +15996,7 @@
                             </a:solidFill>
                             <a:latin typeface="Cambria Math" panose="02040503050406030204" pitchFamily="18" charset="0"/>
                           </a:rPr>
-                          <m:t>5</m:t>
+                          <m:t>3</m:t>
                         </m:r>
                       </m:sup>
                     </m:sSup>
@@ -15970,12 +16015,9 @@
                     <m:sSub>
                       <m:sSubPr>
                         <m:ctrlPr>
-                          <a:rPr lang="en-GB" i="1">
+                          <a:rPr lang="en-GB" i="1" smtClean="0">
                             <a:solidFill>
-                              <a:schemeClr val="tx1">
-                                <a:lumMod val="75000"/>
-                                <a:lumOff val="25000"/>
-                              </a:schemeClr>
+                              <a:schemeClr val="accent2"/>
                             </a:solidFill>
                             <a:latin typeface="Cambria Math" panose="02040503050406030204" pitchFamily="18" charset="0"/>
                           </a:rPr>
@@ -15985,10 +16027,7 @@
                         <m:r>
                           <a:rPr lang="en-GB" i="1">
                             <a:solidFill>
-                              <a:schemeClr val="tx1">
-                                <a:lumMod val="75000"/>
-                                <a:lumOff val="25000"/>
-                              </a:schemeClr>
+                              <a:schemeClr val="accent2"/>
                             </a:solidFill>
                             <a:latin typeface="Cambria Math" panose="02040503050406030204" pitchFamily="18" charset="0"/>
                           </a:rPr>
@@ -15999,10 +16038,7 @@
                         <m:r>
                           <a:rPr lang="en-GB" i="1">
                             <a:solidFill>
-                              <a:schemeClr val="tx1">
-                                <a:lumMod val="75000"/>
-                                <a:lumOff val="25000"/>
-                              </a:schemeClr>
+                              <a:schemeClr val="accent2"/>
                             </a:solidFill>
                             <a:latin typeface="Cambria Math" panose="02040503050406030204" pitchFamily="18" charset="0"/>
                           </a:rPr>
@@ -16040,7 +16076,7 @@
                       </m:e>
                       <m:sup>
                         <m:r>
-                          <a:rPr lang="en-GB" i="1">
+                          <a:rPr lang="en-GB" b="0" i="1" smtClean="0">
                             <a:solidFill>
                               <a:schemeClr val="tx1">
                                 <a:lumMod val="75000"/>
@@ -16049,7 +16085,7 @@
                             </a:solidFill>
                             <a:latin typeface="Cambria Math" panose="02040503050406030204" pitchFamily="18" charset="0"/>
                           </a:rPr>
-                          <m:t>4</m:t>
+                          <m:t>2</m:t>
                         </m:r>
                       </m:sup>
                     </m:sSup>
@@ -16068,12 +16104,9 @@
                     <m:sSub>
                       <m:sSubPr>
                         <m:ctrlPr>
-                          <a:rPr lang="en-GB" i="1">
+                          <a:rPr lang="en-GB" i="1" smtClean="0">
                             <a:solidFill>
-                              <a:schemeClr val="tx1">
-                                <a:lumMod val="75000"/>
-                                <a:lumOff val="25000"/>
-                              </a:schemeClr>
+                              <a:schemeClr val="accent2"/>
                             </a:solidFill>
                             <a:latin typeface="Cambria Math" panose="02040503050406030204" pitchFamily="18" charset="0"/>
                           </a:rPr>
@@ -16083,10 +16116,7 @@
                         <m:r>
                           <a:rPr lang="en-GB" i="1">
                             <a:solidFill>
-                              <a:schemeClr val="tx1">
-                                <a:lumMod val="75000"/>
-                                <a:lumOff val="25000"/>
-                              </a:schemeClr>
+                              <a:schemeClr val="accent2"/>
                             </a:solidFill>
                             <a:latin typeface="Cambria Math" panose="02040503050406030204" pitchFamily="18" charset="0"/>
                           </a:rPr>
@@ -16097,10 +16127,7 @@
                         <m:r>
                           <a:rPr lang="en-GB" i="1">
                             <a:solidFill>
-                              <a:schemeClr val="tx1">
-                                <a:lumMod val="75000"/>
-                                <a:lumOff val="25000"/>
-                              </a:schemeClr>
+                              <a:schemeClr val="accent2"/>
                             </a:solidFill>
                             <a:latin typeface="Cambria Math" panose="02040503050406030204" pitchFamily="18" charset="0"/>
                           </a:rPr>
@@ -16138,7 +16165,7 @@
                       </m:e>
                       <m:sup>
                         <m:r>
-                          <a:rPr lang="en-GB" i="1">
+                          <a:rPr lang="en-GB" b="0" i="1" smtClean="0">
                             <a:solidFill>
                               <a:schemeClr val="tx1">
                                 <a:lumMod val="75000"/>
@@ -16147,7 +16174,7 @@
                             </a:solidFill>
                             <a:latin typeface="Cambria Math" panose="02040503050406030204" pitchFamily="18" charset="0"/>
                           </a:rPr>
-                          <m:t>3</m:t>
+                          <m:t>1</m:t>
                         </m:r>
                       </m:sup>
                     </m:sSup>
@@ -16168,7 +16195,7 @@
                         <m:ctrlPr>
                           <a:rPr lang="en-GB" b="0" i="1" smtClean="0">
                             <a:solidFill>
-                              <a:schemeClr val="accent2"/>
+                              <a:srgbClr val="E35353"/>
                             </a:solidFill>
                             <a:latin typeface="Cambria Math" panose="02040503050406030204" pitchFamily="18" charset="0"/>
                           </a:rPr>
@@ -16178,7 +16205,7 @@
                         <m:r>
                           <a:rPr lang="en-GB" b="0" i="1" smtClean="0">
                             <a:solidFill>
-                              <a:schemeClr val="accent2"/>
+                              <a:srgbClr val="E35353"/>
                             </a:solidFill>
                             <a:latin typeface="Cambria Math" panose="02040503050406030204" pitchFamily="18" charset="0"/>
                           </a:rPr>
@@ -16189,7 +16216,7 @@
                         <m:r>
                           <a:rPr lang="en-GB" b="0" i="1" smtClean="0">
                             <a:solidFill>
-                              <a:schemeClr val="accent2"/>
+                              <a:srgbClr val="E35353"/>
                             </a:solidFill>
                             <a:latin typeface="Cambria Math" panose="02040503050406030204" pitchFamily="18" charset="0"/>
                           </a:rPr>
@@ -16202,7 +16229,7 @@
                         <m:ctrlPr>
                           <a:rPr lang="en-GB" b="0" i="1" smtClean="0">
                             <a:solidFill>
-                              <a:schemeClr val="accent2"/>
+                              <a:srgbClr val="E35353"/>
                             </a:solidFill>
                             <a:latin typeface="Cambria Math" panose="02040503050406030204" pitchFamily="18" charset="0"/>
                           </a:rPr>
@@ -16212,7 +16239,7 @@
                         <m:r>
                           <a:rPr lang="en-GB" b="0" i="1" smtClean="0">
                             <a:solidFill>
-                              <a:schemeClr val="accent2"/>
+                              <a:srgbClr val="E35353"/>
                             </a:solidFill>
                             <a:latin typeface="Cambria Math" panose="02040503050406030204" pitchFamily="18" charset="0"/>
                           </a:rPr>
@@ -16223,11 +16250,11 @@
                         <m:r>
                           <a:rPr lang="en-GB" b="0" i="1" smtClean="0">
                             <a:solidFill>
-                              <a:schemeClr val="accent2"/>
+                              <a:srgbClr val="E35353"/>
                             </a:solidFill>
                             <a:latin typeface="Cambria Math" panose="02040503050406030204" pitchFamily="18" charset="0"/>
                           </a:rPr>
-                          <m:t>2</m:t>
+                          <m:t>0</m:t>
                         </m:r>
                       </m:sup>
                     </m:sSup>
@@ -16352,6 +16379,24 @@
                     </m:d>
                     <m:r>
                       <a:rPr lang="en-GB" b="0" i="1" smtClean="0">
+                        <a:solidFill>
+                          <a:schemeClr val="accent2"/>
+                        </a:solidFill>
+                        <a:latin typeface="Cambria Math" panose="02040503050406030204" pitchFamily="18" charset="0"/>
+                      </a:rPr>
+                      <m:t>⋅</m:t>
+                    </m:r>
+                    <m:r>
+                      <a:rPr lang="en-GB" b="0" i="1" smtClean="0">
+                        <a:solidFill>
+                          <a:schemeClr val="accent2"/>
+                        </a:solidFill>
+                        <a:latin typeface="Cambria Math" panose="02040503050406030204" pitchFamily="18" charset="0"/>
+                      </a:rPr>
+                      <m:t>𝑏</m:t>
+                    </m:r>
+                    <m:r>
+                      <a:rPr lang="en-GB" b="0" i="1" smtClean="0">
                         <a:latin typeface="Cambria Math" panose="02040503050406030204" pitchFamily="18" charset="0"/>
                       </a:rPr>
                       <m:t>−</m:t>
@@ -16426,6 +16471,12 @@
                     </m:sSup>
                     <m:r>
                       <a:rPr lang="en-GB" b="0" i="1" smtClean="0">
+                        <a:solidFill>
+                          <a:schemeClr val="tx1">
+                            <a:lumMod val="75000"/>
+                            <a:lumOff val="25000"/>
+                          </a:schemeClr>
+                        </a:solidFill>
                         <a:latin typeface="Cambria Math" panose="02040503050406030204" pitchFamily="18" charset="0"/>
                       </a:rPr>
                       <m:t>+</m:t>
@@ -16435,7 +16486,7 @@
                         <m:ctrlPr>
                           <a:rPr lang="en-GB" i="1" smtClean="0">
                             <a:solidFill>
-                              <a:schemeClr val="accent2"/>
+                              <a:srgbClr val="E35353"/>
                             </a:solidFill>
                             <a:latin typeface="Cambria Math" panose="02040503050406030204" pitchFamily="18" charset="0"/>
                           </a:rPr>
@@ -16445,7 +16496,7 @@
                         <m:r>
                           <a:rPr lang="en-GB" i="1">
                             <a:solidFill>
-                              <a:schemeClr val="accent2"/>
+                              <a:srgbClr val="E35353"/>
                             </a:solidFill>
                             <a:latin typeface="Cambria Math" panose="02040503050406030204" pitchFamily="18" charset="0"/>
                           </a:rPr>
@@ -16456,7 +16507,7 @@
                         <m:r>
                           <a:rPr lang="en-GB" i="1">
                             <a:solidFill>
-                              <a:schemeClr val="accent2"/>
+                              <a:srgbClr val="E35353"/>
                             </a:solidFill>
                             <a:latin typeface="Cambria Math" panose="02040503050406030204" pitchFamily="18" charset="0"/>
                           </a:rPr>
@@ -16469,7 +16520,7 @@
                         <m:ctrlPr>
                           <a:rPr lang="en-GB" i="1">
                             <a:solidFill>
-                              <a:schemeClr val="accent2"/>
+                              <a:srgbClr val="E35353"/>
                             </a:solidFill>
                             <a:latin typeface="Cambria Math" panose="02040503050406030204" pitchFamily="18" charset="0"/>
                           </a:rPr>
@@ -16479,7 +16530,7 @@
                         <m:r>
                           <a:rPr lang="en-GB" i="1">
                             <a:solidFill>
-                              <a:schemeClr val="accent2"/>
+                              <a:srgbClr val="E35353"/>
                             </a:solidFill>
                             <a:latin typeface="Cambria Math" panose="02040503050406030204" pitchFamily="18" charset="0"/>
                           </a:rPr>
@@ -16490,7 +16541,7 @@
                         <m:r>
                           <a:rPr lang="en-GB" i="1">
                             <a:solidFill>
-                              <a:schemeClr val="accent2"/>
+                              <a:srgbClr val="E35353"/>
                             </a:solidFill>
                             <a:latin typeface="Cambria Math" panose="02040503050406030204" pitchFamily="18" charset="0"/>
                           </a:rPr>
@@ -16882,7 +16933,7 @@
                               <a:rPr lang="en-GB" b="0" i="1" smtClean="0">
                                 <a:latin typeface="Cambria Math" panose="02040503050406030204" pitchFamily="18" charset="0"/>
                               </a:rPr>
-                              <m:t>𝑏</m:t>
+                              <m:t>𝑦</m:t>
                             </m:r>
                           </m:e>
                         </m:d>
@@ -16993,8 +17044,8 @@
           </a:p>
         </p:txBody>
       </p:sp>
-      <mc:AlternateContent xmlns:mc="http://schemas.openxmlformats.org/markup-compatibility/2006">
-        <mc:Choice xmlns:a14="http://schemas.microsoft.com/office/drawing/2010/main" Requires="a14">
+      <mc:AlternateContent xmlns:mc="http://schemas.openxmlformats.org/markup-compatibility/2006" xmlns:a14="http://schemas.microsoft.com/office/drawing/2010/main">
+        <mc:Choice Requires="a14">
           <p:sp>
             <p:nvSpPr>
               <p:cNvPr id="3" name="Content Placeholder 2">
@@ -17151,7 +17202,7 @@
             </p:txBody>
           </p:sp>
         </mc:Choice>
-        <mc:Fallback>
+        <mc:Fallback xmlns="">
           <p:sp>
             <p:nvSpPr>
               <p:cNvPr id="3" name="Content Placeholder 2">
@@ -17370,8 +17421,8 @@
           </a:p>
         </p:txBody>
       </p:sp>
-      <mc:AlternateContent xmlns:mc="http://schemas.openxmlformats.org/markup-compatibility/2006">
-        <mc:Choice xmlns:a14="http://schemas.microsoft.com/office/drawing/2010/main" Requires="a14">
+      <mc:AlternateContent xmlns:mc="http://schemas.openxmlformats.org/markup-compatibility/2006" xmlns:a14="http://schemas.microsoft.com/office/drawing/2010/main">
+        <mc:Choice Requires="a14">
           <p:sp>
             <p:nvSpPr>
               <p:cNvPr id="3" name="Content Placeholder 2">
@@ -17492,7 +17543,7 @@
             </p:txBody>
           </p:sp>
         </mc:Choice>
-        <mc:Fallback>
+        <mc:Fallback xmlns="">
           <p:sp>
             <p:nvSpPr>
               <p:cNvPr id="3" name="Content Placeholder 2">
@@ -17684,8 +17735,8 @@
           </a:p>
         </p:txBody>
       </p:sp>
-      <mc:AlternateContent xmlns:mc="http://schemas.openxmlformats.org/markup-compatibility/2006">
-        <mc:Choice xmlns:a14="http://schemas.microsoft.com/office/drawing/2010/main" Requires="a14">
+      <mc:AlternateContent xmlns:mc="http://schemas.openxmlformats.org/markup-compatibility/2006" xmlns:a14="http://schemas.microsoft.com/office/drawing/2010/main">
+        <mc:Choice Requires="a14">
           <p:sp>
             <p:nvSpPr>
               <p:cNvPr id="3" name="Content Placeholder 2">
@@ -17842,7 +17893,7 @@
             </p:txBody>
           </p:sp>
         </mc:Choice>
-        <mc:Fallback>
+        <mc:Fallback xmlns="">
           <p:sp>
             <p:nvSpPr>
               <p:cNvPr id="3" name="Content Placeholder 2">
